--- a/docs/main.pptx
+++ b/docs/main.pptx
@@ -4558,6 +4558,120 @@
           </a:p>
         </p:txBody>
       </p:sp>
+      <p:sp>
+        <p:nvSpPr>
+          <p:cNvPr id="2" name="矩形: 圆角 20">
+            <a:extLst>
+              <a:ext uri="{FF2B5EF4-FFF2-40B4-BE49-F238E27FC236}">
+                <a16:creationId xmlns:a16="http://schemas.microsoft.com/office/drawing/2014/main" id="{9B6EB535-C6FA-88DF-5DDB-AA4EF08B8AF5}"/>
+              </a:ext>
+            </a:extLst>
+          </p:cNvPr>
+          <p:cNvSpPr/>
+          <p:nvPr/>
+        </p:nvSpPr>
+        <p:spPr>
+          <a:xfrm>
+            <a:off x="8443613" y="2204843"/>
+            <a:ext cx="1367913" cy="649175"/>
+          </a:xfrm>
+          <a:prstGeom prst="roundRect">
+            <a:avLst/>
+          </a:prstGeom>
+          <a:noFill/>
+          <a:ln>
+            <a:solidFill>
+              <a:schemeClr val="tx1"/>
+            </a:solidFill>
+            <a:prstDash val="dash"/>
+          </a:ln>
+        </p:spPr>
+        <p:style>
+          <a:lnRef idx="2">
+            <a:schemeClr val="accent1">
+              <a:shade val="50000"/>
+            </a:schemeClr>
+          </a:lnRef>
+          <a:fillRef idx="1">
+            <a:schemeClr val="accent1"/>
+          </a:fillRef>
+          <a:effectRef idx="0">
+            <a:schemeClr val="accent1"/>
+          </a:effectRef>
+          <a:fontRef idx="minor">
+            <a:schemeClr val="lt1"/>
+          </a:fontRef>
+        </p:style>
+        <p:txBody>
+          <a:bodyPr rtlCol="0" anchor="ctr"/>
+          <a:lstStyle/>
+          <a:p>
+            <a:pPr algn="ctr"/>
+            <a:r>
+              <a:rPr lang="en-US" altLang="zh-CN" dirty="0">
+                <a:solidFill>
+                  <a:schemeClr val="tx1"/>
+                </a:solidFill>
+                <a:latin typeface="Times New Roman" panose="02020603050405020304" pitchFamily="18" charset="0"/>
+                <a:cs typeface="Times New Roman" panose="02020603050405020304" pitchFamily="18" charset="0"/>
+              </a:rPr>
+              <a:t>Results</a:t>
+            </a:r>
+            <a:endParaRPr lang="zh-CN" altLang="en-US" dirty="0">
+              <a:solidFill>
+                <a:schemeClr val="tx1"/>
+              </a:solidFill>
+              <a:latin typeface="Times New Roman" panose="02020603050405020304" pitchFamily="18" charset="0"/>
+              <a:cs typeface="Times New Roman" panose="02020603050405020304" pitchFamily="18" charset="0"/>
+            </a:endParaRPr>
+          </a:p>
+        </p:txBody>
+      </p:sp>
+      <p:cxnSp>
+        <p:nvCxnSpPr>
+          <p:cNvPr id="5" name="直线箭头连接符 4">
+            <a:extLst>
+              <a:ext uri="{FF2B5EF4-FFF2-40B4-BE49-F238E27FC236}">
+                <a16:creationId xmlns:a16="http://schemas.microsoft.com/office/drawing/2014/main" id="{32D6388A-401D-FE67-B9C9-963A65BD923E}"/>
+              </a:ext>
+            </a:extLst>
+          </p:cNvPr>
+          <p:cNvCxnSpPr>
+            <a:stCxn id="4" idx="3"/>
+            <a:endCxn id="2" idx="1"/>
+          </p:cNvCxnSpPr>
+          <p:nvPr/>
+        </p:nvCxnSpPr>
+        <p:spPr>
+          <a:xfrm flipV="1">
+            <a:off x="7398380" y="2529431"/>
+            <a:ext cx="1045233" cy="1"/>
+          </a:xfrm>
+          <a:prstGeom prst="straightConnector1">
+            <a:avLst/>
+          </a:prstGeom>
+          <a:ln w="12700">
+            <a:solidFill>
+              <a:schemeClr val="tx1"/>
+            </a:solidFill>
+            <a:tailEnd type="stealth"/>
+          </a:ln>
+        </p:spPr>
+        <p:style>
+          <a:lnRef idx="1">
+            <a:schemeClr val="accent1"/>
+          </a:lnRef>
+          <a:fillRef idx="0">
+            <a:schemeClr val="accent1"/>
+          </a:fillRef>
+          <a:effectRef idx="0">
+            <a:schemeClr val="accent1"/>
+          </a:effectRef>
+          <a:fontRef idx="minor">
+            <a:schemeClr val="tx1"/>
+          </a:fontRef>
+        </p:style>
+      </p:cxnSp>
     </p:spTree>
     <p:extLst>
       <p:ext uri="{BB962C8B-B14F-4D97-AF65-F5344CB8AC3E}">
@@ -4602,10 +4716,10 @@
         </p:nvGrpSpPr>
         <p:grpSpPr>
           <a:xfrm>
-            <a:off x="1524041" y="2225425"/>
-            <a:ext cx="9143918" cy="3677396"/>
-            <a:chOff x="1553288" y="1299388"/>
-            <a:chExt cx="9143918" cy="3677396"/>
+            <a:off x="1586447" y="2225425"/>
+            <a:ext cx="9081512" cy="3677396"/>
+            <a:chOff x="1615694" y="1299388"/>
+            <a:chExt cx="9081512" cy="3677396"/>
           </a:xfrm>
         </p:grpSpPr>
         <p:sp>
@@ -4690,7 +4804,7 @@
           </p:nvSpPr>
           <p:spPr>
             <a:xfrm>
-              <a:off x="1553288" y="2880789"/>
+              <a:off x="1615694" y="2845138"/>
               <a:ext cx="1367913" cy="649175"/>
             </a:xfrm>
             <a:prstGeom prst="roundRect">
@@ -4830,9 +4944,9 @@
             <p:nvPr/>
           </p:nvCxnSpPr>
           <p:spPr>
-            <a:xfrm flipH="1">
-              <a:off x="2921201" y="3205377"/>
-              <a:ext cx="1214536" cy="0"/>
+            <a:xfrm flipH="1" flipV="1">
+              <a:off x="2983607" y="3169726"/>
+              <a:ext cx="1251227" cy="4686"/>
             </a:xfrm>
             <a:prstGeom prst="straightConnector1">
               <a:avLst/>
@@ -4873,7 +4987,7 @@
           </p:nvSpPr>
           <p:spPr>
             <a:xfrm>
-              <a:off x="3006424" y="2785572"/>
+              <a:off x="3072699" y="2761945"/>
               <a:ext cx="1072055" cy="369332"/>
             </a:xfrm>
             <a:prstGeom prst="rect">
@@ -4888,13 +5002,20 @@
             <a:lstStyle/>
             <a:p>
               <a:r>
-                <a:rPr lang="en-US" altLang="zh-CN">
+                <a:rPr lang="en-US" altLang="zh-CN" dirty="0" err="1">
                   <a:latin typeface="Times New Roman" panose="02020603050405020304" pitchFamily="18" charset="0"/>
                   <a:cs typeface="Times New Roman" panose="02020603050405020304" pitchFamily="18" charset="0"/>
                 </a:rPr>
-                <a:t>env.step()</a:t>
+                <a:t>env.step</a:t>
               </a:r>
-              <a:endParaRPr lang="zh-CN" altLang="en-US">
+              <a:r>
+                <a:rPr lang="en-US" altLang="zh-CN" dirty="0">
+                  <a:latin typeface="Times New Roman" panose="02020603050405020304" pitchFamily="18" charset="0"/>
+                  <a:cs typeface="Times New Roman" panose="02020603050405020304" pitchFamily="18" charset="0"/>
+                </a:rPr>
+                <a:t>()</a:t>
+              </a:r>
+              <a:endParaRPr lang="zh-CN" altLang="en-US" dirty="0">
                 <a:latin typeface="Times New Roman" panose="02020603050405020304" pitchFamily="18" charset="0"/>
                 <a:cs typeface="Times New Roman" panose="02020603050405020304" pitchFamily="18" charset="0"/>
               </a:endParaRPr>
@@ -5119,7 +5240,7 @@
             <a:p>
               <a:pPr algn="ctr"/>
               <a:r>
-                <a:rPr lang="en-US" altLang="zh-CN">
+                <a:rPr lang="en-US" altLang="zh-CN" dirty="0">
                   <a:solidFill>
                     <a:schemeClr val="tx1"/>
                   </a:solidFill>
@@ -5128,7 +5249,7 @@
                 </a:rPr>
                 <a:t>Model</a:t>
               </a:r>
-              <a:endParaRPr lang="zh-CN" altLang="en-US">
+              <a:endParaRPr lang="zh-CN" altLang="en-US" dirty="0">
                 <a:solidFill>
                   <a:schemeClr val="tx1"/>
                 </a:solidFill>
@@ -6069,6 +6190,243 @@
           </a:p>
         </p:txBody>
       </p:sp>
+      <p:sp>
+        <p:nvSpPr>
+          <p:cNvPr id="2" name="矩形: 圆角 3">
+            <a:extLst>
+              <a:ext uri="{FF2B5EF4-FFF2-40B4-BE49-F238E27FC236}">
+                <a16:creationId xmlns:a16="http://schemas.microsoft.com/office/drawing/2014/main" id="{6F5585CB-32E1-851A-E642-B35B26B23713}"/>
+              </a:ext>
+            </a:extLst>
+          </p:cNvPr>
+          <p:cNvSpPr/>
+          <p:nvPr/>
+        </p:nvSpPr>
+        <p:spPr>
+          <a:xfrm>
+            <a:off x="7602911" y="2225424"/>
+            <a:ext cx="1235544" cy="649175"/>
+          </a:xfrm>
+          <a:prstGeom prst="roundRect">
+            <a:avLst/>
+          </a:prstGeom>
+          <a:noFill/>
+          <a:ln>
+            <a:solidFill>
+              <a:schemeClr val="tx1"/>
+            </a:solidFill>
+          </a:ln>
+        </p:spPr>
+        <p:style>
+          <a:lnRef idx="2">
+            <a:schemeClr val="accent1">
+              <a:shade val="50000"/>
+            </a:schemeClr>
+          </a:lnRef>
+          <a:fillRef idx="1">
+            <a:schemeClr val="accent1"/>
+          </a:fillRef>
+          <a:effectRef idx="0">
+            <a:schemeClr val="accent1"/>
+          </a:effectRef>
+          <a:fontRef idx="minor">
+            <a:schemeClr val="lt1"/>
+          </a:fontRef>
+        </p:style>
+        <p:txBody>
+          <a:bodyPr rtlCol="0" anchor="ctr"/>
+          <a:lstStyle/>
+          <a:p>
+            <a:pPr algn="ctr"/>
+            <a:r>
+              <a:rPr lang="en-US" altLang="zh-CN" dirty="0">
+                <a:solidFill>
+                  <a:schemeClr val="tx1"/>
+                </a:solidFill>
+                <a:latin typeface="Times New Roman" panose="02020603050405020304" pitchFamily="18" charset="0"/>
+                <a:cs typeface="Times New Roman" panose="02020603050405020304" pitchFamily="18" charset="0"/>
+              </a:rPr>
+              <a:t>Logger</a:t>
+            </a:r>
+            <a:endParaRPr lang="zh-CN" altLang="en-US" dirty="0">
+              <a:solidFill>
+                <a:schemeClr val="tx1"/>
+              </a:solidFill>
+              <a:latin typeface="Times New Roman" panose="02020603050405020304" pitchFamily="18" charset="0"/>
+              <a:cs typeface="Times New Roman" panose="02020603050405020304" pitchFamily="18" charset="0"/>
+            </a:endParaRPr>
+          </a:p>
+        </p:txBody>
+      </p:sp>
+      <p:sp>
+        <p:nvSpPr>
+          <p:cNvPr id="6" name="矩形: 圆角 20">
+            <a:extLst>
+              <a:ext uri="{FF2B5EF4-FFF2-40B4-BE49-F238E27FC236}">
+                <a16:creationId xmlns:a16="http://schemas.microsoft.com/office/drawing/2014/main" id="{90FF53A5-E21D-AA2C-B401-21F866AC6BF3}"/>
+              </a:ext>
+            </a:extLst>
+          </p:cNvPr>
+          <p:cNvSpPr/>
+          <p:nvPr/>
+        </p:nvSpPr>
+        <p:spPr>
+          <a:xfrm>
+            <a:off x="9277229" y="2225423"/>
+            <a:ext cx="1367913" cy="649175"/>
+          </a:xfrm>
+          <a:prstGeom prst="roundRect">
+            <a:avLst/>
+          </a:prstGeom>
+          <a:noFill/>
+          <a:ln>
+            <a:solidFill>
+              <a:schemeClr val="tx1"/>
+            </a:solidFill>
+            <a:prstDash val="dash"/>
+          </a:ln>
+        </p:spPr>
+        <p:style>
+          <a:lnRef idx="2">
+            <a:schemeClr val="accent1">
+              <a:shade val="50000"/>
+            </a:schemeClr>
+          </a:lnRef>
+          <a:fillRef idx="1">
+            <a:schemeClr val="accent1"/>
+          </a:fillRef>
+          <a:effectRef idx="0">
+            <a:schemeClr val="accent1"/>
+          </a:effectRef>
+          <a:fontRef idx="minor">
+            <a:schemeClr val="lt1"/>
+          </a:fontRef>
+        </p:style>
+        <p:txBody>
+          <a:bodyPr rtlCol="0" anchor="ctr"/>
+          <a:lstStyle/>
+          <a:p>
+            <a:pPr algn="ctr"/>
+            <a:r>
+              <a:rPr lang="en-US" altLang="zh-CN" dirty="0">
+                <a:solidFill>
+                  <a:schemeClr val="tx1"/>
+                </a:solidFill>
+                <a:latin typeface="Times New Roman" panose="02020603050405020304" pitchFamily="18" charset="0"/>
+                <a:cs typeface="Times New Roman" panose="02020603050405020304" pitchFamily="18" charset="0"/>
+              </a:rPr>
+              <a:t>tb/</a:t>
+            </a:r>
+            <a:r>
+              <a:rPr lang="en-US" altLang="zh-CN" dirty="0" err="1">
+                <a:solidFill>
+                  <a:schemeClr val="tx1"/>
+                </a:solidFill>
+                <a:latin typeface="Times New Roman" panose="02020603050405020304" pitchFamily="18" charset="0"/>
+                <a:cs typeface="Times New Roman" panose="02020603050405020304" pitchFamily="18" charset="0"/>
+              </a:rPr>
+              <a:t>Wandb</a:t>
+            </a:r>
+            <a:endParaRPr lang="zh-CN" altLang="en-US" dirty="0">
+              <a:solidFill>
+                <a:schemeClr val="tx1"/>
+              </a:solidFill>
+              <a:latin typeface="Times New Roman" panose="02020603050405020304" pitchFamily="18" charset="0"/>
+              <a:cs typeface="Times New Roman" panose="02020603050405020304" pitchFamily="18" charset="0"/>
+            </a:endParaRPr>
+          </a:p>
+        </p:txBody>
+      </p:sp>
+      <p:cxnSp>
+        <p:nvCxnSpPr>
+          <p:cNvPr id="9" name="直线箭头连接符 8">
+            <a:extLst>
+              <a:ext uri="{FF2B5EF4-FFF2-40B4-BE49-F238E27FC236}">
+                <a16:creationId xmlns:a16="http://schemas.microsoft.com/office/drawing/2014/main" id="{A2DB5CE8-116F-27E3-2DE7-D471DE3A3538}"/>
+              </a:ext>
+            </a:extLst>
+          </p:cNvPr>
+          <p:cNvCxnSpPr>
+            <a:stCxn id="4" idx="3"/>
+            <a:endCxn id="2" idx="1"/>
+          </p:cNvCxnSpPr>
+          <p:nvPr/>
+        </p:nvCxnSpPr>
+        <p:spPr>
+          <a:xfrm flipV="1">
+            <a:off x="7086480" y="2550012"/>
+            <a:ext cx="516431" cy="1"/>
+          </a:xfrm>
+          <a:prstGeom prst="straightConnector1">
+            <a:avLst/>
+          </a:prstGeom>
+          <a:ln w="12700">
+            <a:solidFill>
+              <a:schemeClr val="tx1"/>
+            </a:solidFill>
+            <a:tailEnd type="stealth"/>
+          </a:ln>
+        </p:spPr>
+        <p:style>
+          <a:lnRef idx="1">
+            <a:schemeClr val="accent1"/>
+          </a:lnRef>
+          <a:fillRef idx="0">
+            <a:schemeClr val="accent1"/>
+          </a:fillRef>
+          <a:effectRef idx="0">
+            <a:schemeClr val="accent1"/>
+          </a:effectRef>
+          <a:fontRef idx="minor">
+            <a:schemeClr val="tx1"/>
+          </a:fontRef>
+        </p:style>
+      </p:cxnSp>
+      <p:cxnSp>
+        <p:nvCxnSpPr>
+          <p:cNvPr id="14" name="直线箭头连接符 13">
+            <a:extLst>
+              <a:ext uri="{FF2B5EF4-FFF2-40B4-BE49-F238E27FC236}">
+                <a16:creationId xmlns:a16="http://schemas.microsoft.com/office/drawing/2014/main" id="{CB7F6B01-BF02-28D5-07C3-52AFBA44EFA2}"/>
+              </a:ext>
+            </a:extLst>
+          </p:cNvPr>
+          <p:cNvCxnSpPr>
+            <a:stCxn id="2" idx="3"/>
+            <a:endCxn id="6" idx="1"/>
+          </p:cNvCxnSpPr>
+          <p:nvPr/>
+        </p:nvCxnSpPr>
+        <p:spPr>
+          <a:xfrm flipV="1">
+            <a:off x="8838455" y="2550011"/>
+            <a:ext cx="438774" cy="1"/>
+          </a:xfrm>
+          <a:prstGeom prst="straightConnector1">
+            <a:avLst/>
+          </a:prstGeom>
+          <a:ln w="12700">
+            <a:solidFill>
+              <a:schemeClr val="tx1"/>
+            </a:solidFill>
+            <a:tailEnd type="stealth"/>
+          </a:ln>
+        </p:spPr>
+        <p:style>
+          <a:lnRef idx="1">
+            <a:schemeClr val="accent1"/>
+          </a:lnRef>
+          <a:fillRef idx="0">
+            <a:schemeClr val="accent1"/>
+          </a:fillRef>
+          <a:effectRef idx="0">
+            <a:schemeClr val="accent1"/>
+          </a:effectRef>
+          <a:fontRef idx="minor">
+            <a:schemeClr val="tx1"/>
+          </a:fontRef>
+        </p:style>
+      </p:cxnSp>
     </p:spTree>
     <p:extLst>
       <p:ext uri="{BB962C8B-B14F-4D97-AF65-F5344CB8AC3E}">

--- a/docs/main.pptx
+++ b/docs/main.pptx
@@ -7,6 +7,8 @@
   <p:sldIdLst>
     <p:sldId id="256" r:id="rId2"/>
     <p:sldId id="257" r:id="rId3"/>
+    <p:sldId id="258" r:id="rId4"/>
+    <p:sldId id="259" r:id="rId5"/>
   </p:sldIdLst>
   <p:sldSz cx="12192000" cy="6858000"/>
   <p:notesSz cx="6858000" cy="9144000"/>
@@ -260,7 +262,7 @@
           <a:p>
             <a:fld id="{5C6FECE9-FF52-4B53-8E33-33DB6961026E}" type="datetimeFigureOut">
               <a:rPr lang="zh-CN" altLang="en-US" smtClean="0"/>
-              <a:t>2023/4/4</a:t>
+              <a:t>2023/6/27</a:t>
             </a:fld>
             <a:endParaRPr lang="zh-CN" altLang="en-US"/>
           </a:p>
@@ -458,7 +460,7 @@
           <a:p>
             <a:fld id="{5C6FECE9-FF52-4B53-8E33-33DB6961026E}" type="datetimeFigureOut">
               <a:rPr lang="zh-CN" altLang="en-US" smtClean="0"/>
-              <a:t>2023/4/4</a:t>
+              <a:t>2023/6/27</a:t>
             </a:fld>
             <a:endParaRPr lang="zh-CN" altLang="en-US"/>
           </a:p>
@@ -666,7 +668,7 @@
           <a:p>
             <a:fld id="{5C6FECE9-FF52-4B53-8E33-33DB6961026E}" type="datetimeFigureOut">
               <a:rPr lang="zh-CN" altLang="en-US" smtClean="0"/>
-              <a:t>2023/4/4</a:t>
+              <a:t>2023/6/27</a:t>
             </a:fld>
             <a:endParaRPr lang="zh-CN" altLang="en-US"/>
           </a:p>
@@ -864,7 +866,7 @@
           <a:p>
             <a:fld id="{5C6FECE9-FF52-4B53-8E33-33DB6961026E}" type="datetimeFigureOut">
               <a:rPr lang="zh-CN" altLang="en-US" smtClean="0"/>
-              <a:t>2023/4/4</a:t>
+              <a:t>2023/6/27</a:t>
             </a:fld>
             <a:endParaRPr lang="zh-CN" altLang="en-US"/>
           </a:p>
@@ -1139,7 +1141,7 @@
           <a:p>
             <a:fld id="{5C6FECE9-FF52-4B53-8E33-33DB6961026E}" type="datetimeFigureOut">
               <a:rPr lang="zh-CN" altLang="en-US" smtClean="0"/>
-              <a:t>2023/4/4</a:t>
+              <a:t>2023/6/27</a:t>
             </a:fld>
             <a:endParaRPr lang="zh-CN" altLang="en-US"/>
           </a:p>
@@ -1404,7 +1406,7 @@
           <a:p>
             <a:fld id="{5C6FECE9-FF52-4B53-8E33-33DB6961026E}" type="datetimeFigureOut">
               <a:rPr lang="zh-CN" altLang="en-US" smtClean="0"/>
-              <a:t>2023/4/4</a:t>
+              <a:t>2023/6/27</a:t>
             </a:fld>
             <a:endParaRPr lang="zh-CN" altLang="en-US"/>
           </a:p>
@@ -1816,7 +1818,7 @@
           <a:p>
             <a:fld id="{5C6FECE9-FF52-4B53-8E33-33DB6961026E}" type="datetimeFigureOut">
               <a:rPr lang="zh-CN" altLang="en-US" smtClean="0"/>
-              <a:t>2023/4/4</a:t>
+              <a:t>2023/6/27</a:t>
             </a:fld>
             <a:endParaRPr lang="zh-CN" altLang="en-US"/>
           </a:p>
@@ -1957,7 +1959,7 @@
           <a:p>
             <a:fld id="{5C6FECE9-FF52-4B53-8E33-33DB6961026E}" type="datetimeFigureOut">
               <a:rPr lang="zh-CN" altLang="en-US" smtClean="0"/>
-              <a:t>2023/4/4</a:t>
+              <a:t>2023/6/27</a:t>
             </a:fld>
             <a:endParaRPr lang="zh-CN" altLang="en-US"/>
           </a:p>
@@ -2070,7 +2072,7 @@
           <a:p>
             <a:fld id="{5C6FECE9-FF52-4B53-8E33-33DB6961026E}" type="datetimeFigureOut">
               <a:rPr lang="zh-CN" altLang="en-US" smtClean="0"/>
-              <a:t>2023/4/4</a:t>
+              <a:t>2023/6/27</a:t>
             </a:fld>
             <a:endParaRPr lang="zh-CN" altLang="en-US"/>
           </a:p>
@@ -2381,7 +2383,7 @@
           <a:p>
             <a:fld id="{5C6FECE9-FF52-4B53-8E33-33DB6961026E}" type="datetimeFigureOut">
               <a:rPr lang="zh-CN" altLang="en-US" smtClean="0"/>
-              <a:t>2023/4/4</a:t>
+              <a:t>2023/6/27</a:t>
             </a:fld>
             <a:endParaRPr lang="zh-CN" altLang="en-US"/>
           </a:p>
@@ -2669,7 +2671,7 @@
           <a:p>
             <a:fld id="{5C6FECE9-FF52-4B53-8E33-33DB6961026E}" type="datetimeFigureOut">
               <a:rPr lang="zh-CN" altLang="en-US" smtClean="0"/>
-              <a:t>2023/4/4</a:t>
+              <a:t>2023/6/27</a:t>
             </a:fld>
             <a:endParaRPr lang="zh-CN" altLang="en-US"/>
           </a:p>
@@ -2910,7 +2912,7 @@
           <a:p>
             <a:fld id="{5C6FECE9-FF52-4B53-8E33-33DB6961026E}" type="datetimeFigureOut">
               <a:rPr lang="zh-CN" altLang="en-US" smtClean="0"/>
-              <a:t>2023/4/4</a:t>
+              <a:t>2023/6/27</a:t>
             </a:fld>
             <a:endParaRPr lang="zh-CN" altLang="en-US"/>
           </a:p>
@@ -6135,13 +6137,13 @@
           <a:lstStyle/>
           <a:p>
             <a:r>
-              <a:rPr lang="en-US" altLang="zh-CN">
+              <a:rPr lang="en-US" altLang="zh-CN" dirty="0" err="1">
                 <a:latin typeface="Times New Roman" panose="02020603050405020304" pitchFamily="18" charset="0"/>
                 <a:cs typeface="Times New Roman" panose="02020603050405020304" pitchFamily="18" charset="0"/>
               </a:rPr>
               <a:t>Exps</a:t>
             </a:r>
-            <a:endParaRPr lang="zh-CN" altLang="en-US">
+            <a:endParaRPr lang="zh-CN" altLang="en-US" dirty="0">
               <a:latin typeface="Times New Roman" panose="02020603050405020304" pitchFamily="18" charset="0"/>
               <a:cs typeface="Times New Roman" panose="02020603050405020304" pitchFamily="18" charset="0"/>
             </a:endParaRPr>
@@ -6431,6 +6433,2078 @@
     <p:extLst>
       <p:ext uri="{BB962C8B-B14F-4D97-AF65-F5344CB8AC3E}">
         <p14:creationId xmlns:p14="http://schemas.microsoft.com/office/powerpoint/2010/main" val="249724150"/>
+      </p:ext>
+    </p:extLst>
+  </p:cSld>
+  <p:clrMapOvr>
+    <a:masterClrMapping/>
+  </p:clrMapOvr>
+</p:sld>
+</file>
+
+<file path=ppt/slides/slide3.xml><?xml version="1.0" encoding="utf-8"?>
+<p:sld xmlns:a="http://schemas.openxmlformats.org/drawingml/2006/main" xmlns:r="http://schemas.openxmlformats.org/officeDocument/2006/relationships" xmlns:p="http://schemas.openxmlformats.org/presentationml/2006/main">
+  <p:cSld>
+    <p:spTree>
+      <p:nvGrpSpPr>
+        <p:cNvPr id="1" name=""/>
+        <p:cNvGrpSpPr/>
+        <p:nvPr/>
+      </p:nvGrpSpPr>
+      <p:grpSpPr>
+        <a:xfrm>
+          <a:off x="0" y="0"/>
+          <a:ext cx="0" cy="0"/>
+          <a:chOff x="0" y="0"/>
+          <a:chExt cx="0" cy="0"/>
+        </a:xfrm>
+      </p:grpSpPr>
+      <p:sp>
+        <p:nvSpPr>
+          <p:cNvPr id="4" name="矩形: 圆角 10">
+            <a:extLst>
+              <a:ext uri="{FF2B5EF4-FFF2-40B4-BE49-F238E27FC236}">
+                <a16:creationId xmlns:a16="http://schemas.microsoft.com/office/drawing/2014/main" id="{93220948-2271-E5BE-90C2-EAB000D5DD00}"/>
+              </a:ext>
+            </a:extLst>
+          </p:cNvPr>
+          <p:cNvSpPr/>
+          <p:nvPr/>
+        </p:nvSpPr>
+        <p:spPr>
+          <a:xfrm>
+            <a:off x="4069719" y="2839236"/>
+            <a:ext cx="1367913" cy="649175"/>
+          </a:xfrm>
+          <a:prstGeom prst="roundRect">
+            <a:avLst/>
+          </a:prstGeom>
+          <a:noFill/>
+          <a:ln>
+            <a:solidFill>
+              <a:schemeClr val="tx1"/>
+            </a:solidFill>
+          </a:ln>
+        </p:spPr>
+        <p:style>
+          <a:lnRef idx="2">
+            <a:schemeClr val="accent1">
+              <a:shade val="50000"/>
+            </a:schemeClr>
+          </a:lnRef>
+          <a:fillRef idx="1">
+            <a:schemeClr val="accent1"/>
+          </a:fillRef>
+          <a:effectRef idx="0">
+            <a:schemeClr val="accent1"/>
+          </a:effectRef>
+          <a:fontRef idx="minor">
+            <a:schemeClr val="lt1"/>
+          </a:fontRef>
+        </p:style>
+        <p:txBody>
+          <a:bodyPr rtlCol="0" anchor="ctr"/>
+          <a:lstStyle/>
+          <a:p>
+            <a:pPr algn="ctr"/>
+            <a:r>
+              <a:rPr lang="en-US" altLang="zh-CN" dirty="0">
+                <a:solidFill>
+                  <a:schemeClr val="tx1"/>
+                </a:solidFill>
+                <a:latin typeface="Times New Roman" panose="02020603050405020304" pitchFamily="18" charset="0"/>
+                <a:cs typeface="Times New Roman" panose="02020603050405020304" pitchFamily="18" charset="0"/>
+              </a:rPr>
+              <a:t>Interactor</a:t>
+            </a:r>
+            <a:endParaRPr lang="zh-CN" altLang="en-US" dirty="0">
+              <a:solidFill>
+                <a:schemeClr val="tx1"/>
+              </a:solidFill>
+              <a:latin typeface="Times New Roman" panose="02020603050405020304" pitchFamily="18" charset="0"/>
+              <a:cs typeface="Times New Roman" panose="02020603050405020304" pitchFamily="18" charset="0"/>
+            </a:endParaRPr>
+          </a:p>
+        </p:txBody>
+      </p:sp>
+      <p:sp>
+        <p:nvSpPr>
+          <p:cNvPr id="5" name="矩形: 圆角 10">
+            <a:extLst>
+              <a:ext uri="{FF2B5EF4-FFF2-40B4-BE49-F238E27FC236}">
+                <a16:creationId xmlns:a16="http://schemas.microsoft.com/office/drawing/2014/main" id="{509AB921-67A7-639C-073C-1C83EC9A8BDA}"/>
+              </a:ext>
+            </a:extLst>
+          </p:cNvPr>
+          <p:cNvSpPr/>
+          <p:nvPr/>
+        </p:nvSpPr>
+        <p:spPr>
+          <a:xfrm>
+            <a:off x="6973390" y="2839236"/>
+            <a:ext cx="1367913" cy="649175"/>
+          </a:xfrm>
+          <a:prstGeom prst="roundRect">
+            <a:avLst/>
+          </a:prstGeom>
+          <a:noFill/>
+          <a:ln>
+            <a:solidFill>
+              <a:schemeClr val="tx1"/>
+            </a:solidFill>
+          </a:ln>
+        </p:spPr>
+        <p:style>
+          <a:lnRef idx="2">
+            <a:schemeClr val="accent1">
+              <a:shade val="50000"/>
+            </a:schemeClr>
+          </a:lnRef>
+          <a:fillRef idx="1">
+            <a:schemeClr val="accent1"/>
+          </a:fillRef>
+          <a:effectRef idx="0">
+            <a:schemeClr val="accent1"/>
+          </a:effectRef>
+          <a:fontRef idx="minor">
+            <a:schemeClr val="lt1"/>
+          </a:fontRef>
+        </p:style>
+        <p:txBody>
+          <a:bodyPr rtlCol="0" anchor="ctr"/>
+          <a:lstStyle/>
+          <a:p>
+            <a:pPr algn="ctr"/>
+            <a:r>
+              <a:rPr lang="en-US" altLang="zh-CN" dirty="0">
+                <a:solidFill>
+                  <a:schemeClr val="tx1"/>
+                </a:solidFill>
+                <a:latin typeface="Times New Roman" panose="02020603050405020304" pitchFamily="18" charset="0"/>
+                <a:cs typeface="Times New Roman" panose="02020603050405020304" pitchFamily="18" charset="0"/>
+              </a:rPr>
+              <a:t>Learner</a:t>
+            </a:r>
+            <a:endParaRPr lang="zh-CN" altLang="en-US" dirty="0">
+              <a:solidFill>
+                <a:schemeClr val="tx1"/>
+              </a:solidFill>
+              <a:latin typeface="Times New Roman" panose="02020603050405020304" pitchFamily="18" charset="0"/>
+              <a:cs typeface="Times New Roman" panose="02020603050405020304" pitchFamily="18" charset="0"/>
+            </a:endParaRPr>
+          </a:p>
+        </p:txBody>
+      </p:sp>
+      <p:sp>
+        <p:nvSpPr>
+          <p:cNvPr id="6" name="矩形: 圆角 10">
+            <a:extLst>
+              <a:ext uri="{FF2B5EF4-FFF2-40B4-BE49-F238E27FC236}">
+                <a16:creationId xmlns:a16="http://schemas.microsoft.com/office/drawing/2014/main" id="{75770863-02A6-E118-ED65-020A66D05B50}"/>
+              </a:ext>
+            </a:extLst>
+          </p:cNvPr>
+          <p:cNvSpPr/>
+          <p:nvPr/>
+        </p:nvSpPr>
+        <p:spPr>
+          <a:xfrm>
+            <a:off x="5412042" y="4110336"/>
+            <a:ext cx="1367913" cy="649175"/>
+          </a:xfrm>
+          <a:prstGeom prst="roundRect">
+            <a:avLst/>
+          </a:prstGeom>
+          <a:noFill/>
+          <a:ln>
+            <a:solidFill>
+              <a:schemeClr val="tx1"/>
+            </a:solidFill>
+          </a:ln>
+        </p:spPr>
+        <p:style>
+          <a:lnRef idx="2">
+            <a:schemeClr val="accent1">
+              <a:shade val="50000"/>
+            </a:schemeClr>
+          </a:lnRef>
+          <a:fillRef idx="1">
+            <a:schemeClr val="accent1"/>
+          </a:fillRef>
+          <a:effectRef idx="0">
+            <a:schemeClr val="accent1"/>
+          </a:effectRef>
+          <a:fontRef idx="minor">
+            <a:schemeClr val="lt1"/>
+          </a:fontRef>
+        </p:style>
+        <p:txBody>
+          <a:bodyPr rtlCol="0" anchor="ctr"/>
+          <a:lstStyle/>
+          <a:p>
+            <a:pPr algn="ctr"/>
+            <a:r>
+              <a:rPr lang="en-US" altLang="zh-CN" dirty="0">
+                <a:solidFill>
+                  <a:schemeClr val="tx1"/>
+                </a:solidFill>
+                <a:latin typeface="Times New Roman" panose="02020603050405020304" pitchFamily="18" charset="0"/>
+                <a:cs typeface="Times New Roman" panose="02020603050405020304" pitchFamily="18" charset="0"/>
+              </a:rPr>
+              <a:t>Collector</a:t>
+            </a:r>
+            <a:endParaRPr lang="zh-CN" altLang="en-US" dirty="0">
+              <a:solidFill>
+                <a:schemeClr val="tx1"/>
+              </a:solidFill>
+              <a:latin typeface="Times New Roman" panose="02020603050405020304" pitchFamily="18" charset="0"/>
+              <a:cs typeface="Times New Roman" panose="02020603050405020304" pitchFamily="18" charset="0"/>
+            </a:endParaRPr>
+          </a:p>
+        </p:txBody>
+      </p:sp>
+      <p:sp>
+        <p:nvSpPr>
+          <p:cNvPr id="7" name="矩形: 圆角 9">
+            <a:extLst>
+              <a:ext uri="{FF2B5EF4-FFF2-40B4-BE49-F238E27FC236}">
+                <a16:creationId xmlns:a16="http://schemas.microsoft.com/office/drawing/2014/main" id="{8392D9E4-C5B8-11FF-B9B0-AAD46C3CE587}"/>
+              </a:ext>
+            </a:extLst>
+          </p:cNvPr>
+          <p:cNvSpPr/>
+          <p:nvPr/>
+        </p:nvSpPr>
+        <p:spPr>
+          <a:xfrm>
+            <a:off x="4069718" y="1700370"/>
+            <a:ext cx="1367913" cy="649175"/>
+          </a:xfrm>
+          <a:prstGeom prst="roundRect">
+            <a:avLst/>
+          </a:prstGeom>
+          <a:noFill/>
+          <a:ln>
+            <a:solidFill>
+              <a:schemeClr val="tx1"/>
+            </a:solidFill>
+            <a:prstDash val="dash"/>
+          </a:ln>
+        </p:spPr>
+        <p:style>
+          <a:lnRef idx="2">
+            <a:schemeClr val="accent1">
+              <a:shade val="50000"/>
+            </a:schemeClr>
+          </a:lnRef>
+          <a:fillRef idx="1">
+            <a:schemeClr val="accent1"/>
+          </a:fillRef>
+          <a:effectRef idx="0">
+            <a:schemeClr val="accent1"/>
+          </a:effectRef>
+          <a:fontRef idx="minor">
+            <a:schemeClr val="lt1"/>
+          </a:fontRef>
+        </p:style>
+        <p:txBody>
+          <a:bodyPr rtlCol="0" anchor="ctr"/>
+          <a:lstStyle/>
+          <a:p>
+            <a:pPr algn="ctr"/>
+            <a:r>
+              <a:rPr lang="en-US" altLang="zh-CN">
+                <a:solidFill>
+                  <a:schemeClr val="tx1"/>
+                </a:solidFill>
+                <a:latin typeface="Times New Roman" panose="02020603050405020304" pitchFamily="18" charset="0"/>
+                <a:cs typeface="Times New Roman" panose="02020603050405020304" pitchFamily="18" charset="0"/>
+              </a:rPr>
+              <a:t>Env</a:t>
+            </a:r>
+            <a:endParaRPr lang="zh-CN" altLang="en-US">
+              <a:solidFill>
+                <a:schemeClr val="tx1"/>
+              </a:solidFill>
+              <a:latin typeface="Times New Roman" panose="02020603050405020304" pitchFamily="18" charset="0"/>
+              <a:cs typeface="Times New Roman" panose="02020603050405020304" pitchFamily="18" charset="0"/>
+            </a:endParaRPr>
+          </a:p>
+        </p:txBody>
+      </p:sp>
+      <p:cxnSp>
+        <p:nvCxnSpPr>
+          <p:cNvPr id="15" name="直线箭头连接符 14">
+            <a:extLst>
+              <a:ext uri="{FF2B5EF4-FFF2-40B4-BE49-F238E27FC236}">
+                <a16:creationId xmlns:a16="http://schemas.microsoft.com/office/drawing/2014/main" id="{1F2DC0C3-766E-E3E1-D0B3-C34A6709241B}"/>
+              </a:ext>
+            </a:extLst>
+          </p:cNvPr>
+          <p:cNvCxnSpPr>
+            <a:stCxn id="5" idx="2"/>
+            <a:endCxn id="6" idx="0"/>
+          </p:cNvCxnSpPr>
+          <p:nvPr/>
+        </p:nvCxnSpPr>
+        <p:spPr>
+          <a:xfrm flipH="1">
+            <a:off x="6095999" y="3488411"/>
+            <a:ext cx="1561348" cy="621925"/>
+          </a:xfrm>
+          <a:prstGeom prst="straightConnector1">
+            <a:avLst/>
+          </a:prstGeom>
+          <a:ln w="12700">
+            <a:solidFill>
+              <a:schemeClr val="tx1"/>
+            </a:solidFill>
+            <a:tailEnd type="triangle"/>
+          </a:ln>
+        </p:spPr>
+        <p:style>
+          <a:lnRef idx="1">
+            <a:schemeClr val="accent1"/>
+          </a:lnRef>
+          <a:fillRef idx="0">
+            <a:schemeClr val="accent1"/>
+          </a:fillRef>
+          <a:effectRef idx="0">
+            <a:schemeClr val="accent1"/>
+          </a:effectRef>
+          <a:fontRef idx="minor">
+            <a:schemeClr val="tx1"/>
+          </a:fontRef>
+        </p:style>
+      </p:cxnSp>
+      <p:sp>
+        <p:nvSpPr>
+          <p:cNvPr id="18" name="文本框 17">
+            <a:extLst>
+              <a:ext uri="{FF2B5EF4-FFF2-40B4-BE49-F238E27FC236}">
+                <a16:creationId xmlns:a16="http://schemas.microsoft.com/office/drawing/2014/main" id="{0292FD91-8D19-2FDB-92D8-45833874F919}"/>
+              </a:ext>
+            </a:extLst>
+          </p:cNvPr>
+          <p:cNvSpPr txBox="1"/>
+          <p:nvPr/>
+        </p:nvSpPr>
+        <p:spPr>
+          <a:xfrm>
+            <a:off x="3927180" y="4434923"/>
+            <a:ext cx="1367913" cy="276999"/>
+          </a:xfrm>
+          <a:prstGeom prst="rect">
+            <a:avLst/>
+          </a:prstGeom>
+          <a:noFill/>
+        </p:spPr>
+        <p:txBody>
+          <a:bodyPr wrap="square" rtlCol="0">
+            <a:spAutoFit/>
+          </a:bodyPr>
+          <a:lstStyle/>
+          <a:p>
+            <a:r>
+              <a:rPr lang="en-US" altLang="zh-CN" sz="1200" dirty="0" err="1">
+                <a:latin typeface="Times New Roman" panose="02020603050405020304" pitchFamily="18" charset="0"/>
+                <a:cs typeface="Times New Roman" panose="02020603050405020304" pitchFamily="18" charset="0"/>
+              </a:rPr>
+              <a:t>Exps</a:t>
+            </a:r>
+            <a:r>
+              <a:rPr lang="en-US" altLang="zh-CN" sz="1200" dirty="0">
+                <a:latin typeface="Times New Roman" panose="02020603050405020304" pitchFamily="18" charset="0"/>
+                <a:cs typeface="Times New Roman" panose="02020603050405020304" pitchFamily="18" charset="0"/>
+              </a:rPr>
+              <a:t>(After interact)</a:t>
+            </a:r>
+            <a:endParaRPr lang="zh-CN" altLang="en-US" sz="1200" dirty="0">
+              <a:latin typeface="Times New Roman" panose="02020603050405020304" pitchFamily="18" charset="0"/>
+              <a:cs typeface="Times New Roman" panose="02020603050405020304" pitchFamily="18" charset="0"/>
+            </a:endParaRPr>
+          </a:p>
+        </p:txBody>
+      </p:sp>
+      <p:sp>
+        <p:nvSpPr>
+          <p:cNvPr id="20" name="文本框 19">
+            <a:extLst>
+              <a:ext uri="{FF2B5EF4-FFF2-40B4-BE49-F238E27FC236}">
+                <a16:creationId xmlns:a16="http://schemas.microsoft.com/office/drawing/2014/main" id="{65AFACF5-EEED-A520-EC22-BEEDAF82B62C}"/>
+              </a:ext>
+            </a:extLst>
+          </p:cNvPr>
+          <p:cNvSpPr txBox="1"/>
+          <p:nvPr/>
+        </p:nvSpPr>
+        <p:spPr>
+          <a:xfrm>
+            <a:off x="6815665" y="3812977"/>
+            <a:ext cx="1367914" cy="276999"/>
+          </a:xfrm>
+          <a:prstGeom prst="rect">
+            <a:avLst/>
+          </a:prstGeom>
+          <a:noFill/>
+        </p:spPr>
+        <p:txBody>
+          <a:bodyPr wrap="square" rtlCol="0">
+            <a:spAutoFit/>
+          </a:bodyPr>
+          <a:lstStyle/>
+          <a:p>
+            <a:r>
+              <a:rPr lang="en-US" altLang="zh-CN" sz="1200" dirty="0" err="1">
+                <a:latin typeface="Times New Roman" panose="02020603050405020304" pitchFamily="18" charset="0"/>
+                <a:cs typeface="Times New Roman" panose="02020603050405020304" pitchFamily="18" charset="0"/>
+              </a:rPr>
+              <a:t>Exps</a:t>
+            </a:r>
+            <a:r>
+              <a:rPr lang="en-US" altLang="zh-CN" sz="1200" dirty="0">
+                <a:latin typeface="Times New Roman" panose="02020603050405020304" pitchFamily="18" charset="0"/>
+                <a:cs typeface="Times New Roman" panose="02020603050405020304" pitchFamily="18" charset="0"/>
+              </a:rPr>
+              <a:t>(After learn)</a:t>
+            </a:r>
+            <a:endParaRPr lang="zh-CN" altLang="en-US" sz="1200" dirty="0">
+              <a:latin typeface="Times New Roman" panose="02020603050405020304" pitchFamily="18" charset="0"/>
+              <a:cs typeface="Times New Roman" panose="02020603050405020304" pitchFamily="18" charset="0"/>
+            </a:endParaRPr>
+          </a:p>
+        </p:txBody>
+      </p:sp>
+      <p:sp>
+        <p:nvSpPr>
+          <p:cNvPr id="25" name="文本框 24">
+            <a:extLst>
+              <a:ext uri="{FF2B5EF4-FFF2-40B4-BE49-F238E27FC236}">
+                <a16:creationId xmlns:a16="http://schemas.microsoft.com/office/drawing/2014/main" id="{7A570AD8-6462-93B3-0BC3-D95C7D8CE7D6}"/>
+              </a:ext>
+            </a:extLst>
+          </p:cNvPr>
+          <p:cNvSpPr txBox="1"/>
+          <p:nvPr/>
+        </p:nvSpPr>
+        <p:spPr>
+          <a:xfrm>
+            <a:off x="7131116" y="4414563"/>
+            <a:ext cx="1052463" cy="276999"/>
+          </a:xfrm>
+          <a:prstGeom prst="rect">
+            <a:avLst/>
+          </a:prstGeom>
+          <a:noFill/>
+        </p:spPr>
+        <p:txBody>
+          <a:bodyPr wrap="square" rtlCol="0">
+            <a:spAutoFit/>
+          </a:bodyPr>
+          <a:lstStyle/>
+          <a:p>
+            <a:r>
+              <a:rPr lang="en-US" altLang="zh-CN" sz="1200" dirty="0">
+                <a:latin typeface="Times New Roman" panose="02020603050405020304" pitchFamily="18" charset="0"/>
+                <a:cs typeface="Times New Roman" panose="02020603050405020304" pitchFamily="18" charset="0"/>
+              </a:rPr>
+              <a:t>Training data</a:t>
+            </a:r>
+            <a:endParaRPr lang="zh-CN" altLang="en-US" sz="1200" dirty="0">
+              <a:latin typeface="Times New Roman" panose="02020603050405020304" pitchFamily="18" charset="0"/>
+              <a:cs typeface="Times New Roman" panose="02020603050405020304" pitchFamily="18" charset="0"/>
+            </a:endParaRPr>
+          </a:p>
+        </p:txBody>
+      </p:sp>
+      <p:sp>
+        <p:nvSpPr>
+          <p:cNvPr id="26" name="矩形: 圆角 9">
+            <a:extLst>
+              <a:ext uri="{FF2B5EF4-FFF2-40B4-BE49-F238E27FC236}">
+                <a16:creationId xmlns:a16="http://schemas.microsoft.com/office/drawing/2014/main" id="{2BA47073-097E-24BD-C6D0-DE016BDF0431}"/>
+              </a:ext>
+            </a:extLst>
+          </p:cNvPr>
+          <p:cNvSpPr/>
+          <p:nvPr/>
+        </p:nvSpPr>
+        <p:spPr>
+          <a:xfrm>
+            <a:off x="6973390" y="1699130"/>
+            <a:ext cx="1367913" cy="649175"/>
+          </a:xfrm>
+          <a:prstGeom prst="roundRect">
+            <a:avLst/>
+          </a:prstGeom>
+          <a:noFill/>
+          <a:ln>
+            <a:solidFill>
+              <a:schemeClr val="tx1"/>
+            </a:solidFill>
+            <a:prstDash val="dash"/>
+          </a:ln>
+        </p:spPr>
+        <p:style>
+          <a:lnRef idx="2">
+            <a:schemeClr val="accent1">
+              <a:shade val="50000"/>
+            </a:schemeClr>
+          </a:lnRef>
+          <a:fillRef idx="1">
+            <a:schemeClr val="accent1"/>
+          </a:fillRef>
+          <a:effectRef idx="0">
+            <a:schemeClr val="accent1"/>
+          </a:effectRef>
+          <a:fontRef idx="minor">
+            <a:schemeClr val="lt1"/>
+          </a:fontRef>
+        </p:style>
+        <p:txBody>
+          <a:bodyPr rtlCol="0" anchor="ctr"/>
+          <a:lstStyle/>
+          <a:p>
+            <a:pPr algn="ctr"/>
+            <a:r>
+              <a:rPr lang="en-US" altLang="zh-CN" dirty="0">
+                <a:solidFill>
+                  <a:schemeClr val="tx1"/>
+                </a:solidFill>
+                <a:latin typeface="Times New Roman" panose="02020603050405020304" pitchFamily="18" charset="0"/>
+                <a:cs typeface="Times New Roman" panose="02020603050405020304" pitchFamily="18" charset="0"/>
+              </a:rPr>
+              <a:t>Model</a:t>
+            </a:r>
+            <a:endParaRPr lang="zh-CN" altLang="en-US" dirty="0">
+              <a:solidFill>
+                <a:schemeClr val="tx1"/>
+              </a:solidFill>
+              <a:latin typeface="Times New Roman" panose="02020603050405020304" pitchFamily="18" charset="0"/>
+              <a:cs typeface="Times New Roman" panose="02020603050405020304" pitchFamily="18" charset="0"/>
+            </a:endParaRPr>
+          </a:p>
+        </p:txBody>
+      </p:sp>
+      <p:cxnSp>
+        <p:nvCxnSpPr>
+          <p:cNvPr id="29" name="直线箭头连接符 28">
+            <a:extLst>
+              <a:ext uri="{FF2B5EF4-FFF2-40B4-BE49-F238E27FC236}">
+                <a16:creationId xmlns:a16="http://schemas.microsoft.com/office/drawing/2014/main" id="{9657FB02-5643-AD38-67B4-72C5BB4AE669}"/>
+              </a:ext>
+            </a:extLst>
+          </p:cNvPr>
+          <p:cNvCxnSpPr>
+            <a:stCxn id="5" idx="1"/>
+            <a:endCxn id="4" idx="3"/>
+          </p:cNvCxnSpPr>
+          <p:nvPr/>
+        </p:nvCxnSpPr>
+        <p:spPr>
+          <a:xfrm flipH="1">
+            <a:off x="5437632" y="3163824"/>
+            <a:ext cx="1535758" cy="0"/>
+          </a:xfrm>
+          <a:prstGeom prst="straightConnector1">
+            <a:avLst/>
+          </a:prstGeom>
+          <a:ln w="12700">
+            <a:solidFill>
+              <a:schemeClr val="tx1"/>
+            </a:solidFill>
+            <a:tailEnd type="stealth"/>
+          </a:ln>
+        </p:spPr>
+        <p:style>
+          <a:lnRef idx="1">
+            <a:schemeClr val="accent1"/>
+          </a:lnRef>
+          <a:fillRef idx="0">
+            <a:schemeClr val="accent1"/>
+          </a:fillRef>
+          <a:effectRef idx="0">
+            <a:schemeClr val="accent1"/>
+          </a:effectRef>
+          <a:fontRef idx="minor">
+            <a:schemeClr val="tx1"/>
+          </a:fontRef>
+        </p:style>
+      </p:cxnSp>
+      <p:sp>
+        <p:nvSpPr>
+          <p:cNvPr id="33" name="文本框 32">
+            <a:extLst>
+              <a:ext uri="{FF2B5EF4-FFF2-40B4-BE49-F238E27FC236}">
+                <a16:creationId xmlns:a16="http://schemas.microsoft.com/office/drawing/2014/main" id="{5BDF0FA2-D006-C62A-6E21-ABAA900384B9}"/>
+              </a:ext>
+            </a:extLst>
+          </p:cNvPr>
+          <p:cNvSpPr txBox="1"/>
+          <p:nvPr/>
+        </p:nvSpPr>
+        <p:spPr>
+          <a:xfrm>
+            <a:off x="5835946" y="2865927"/>
+            <a:ext cx="580495" cy="276999"/>
+          </a:xfrm>
+          <a:prstGeom prst="rect">
+            <a:avLst/>
+          </a:prstGeom>
+          <a:noFill/>
+        </p:spPr>
+        <p:txBody>
+          <a:bodyPr wrap="square" rtlCol="0">
+            <a:spAutoFit/>
+          </a:bodyPr>
+          <a:lstStyle/>
+          <a:p>
+            <a:r>
+              <a:rPr lang="en-US" altLang="zh-CN" sz="1200" dirty="0">
+                <a:latin typeface="Times New Roman" panose="02020603050405020304" pitchFamily="18" charset="0"/>
+                <a:cs typeface="Times New Roman" panose="02020603050405020304" pitchFamily="18" charset="0"/>
+              </a:rPr>
+              <a:t>Policy</a:t>
+            </a:r>
+            <a:endParaRPr lang="zh-CN" altLang="en-US" sz="1200" dirty="0">
+              <a:latin typeface="Times New Roman" panose="02020603050405020304" pitchFamily="18" charset="0"/>
+              <a:cs typeface="Times New Roman" panose="02020603050405020304" pitchFamily="18" charset="0"/>
+            </a:endParaRPr>
+          </a:p>
+        </p:txBody>
+      </p:sp>
+      <p:sp>
+        <p:nvSpPr>
+          <p:cNvPr id="39" name="文本框 38">
+            <a:extLst>
+              <a:ext uri="{FF2B5EF4-FFF2-40B4-BE49-F238E27FC236}">
+                <a16:creationId xmlns:a16="http://schemas.microsoft.com/office/drawing/2014/main" id="{87D7235A-5502-0BDB-BD67-862BD50E3C11}"/>
+              </a:ext>
+            </a:extLst>
+          </p:cNvPr>
+          <p:cNvSpPr txBox="1"/>
+          <p:nvPr/>
+        </p:nvSpPr>
+        <p:spPr>
+          <a:xfrm>
+            <a:off x="7682936" y="2455270"/>
+            <a:ext cx="1122538" cy="276999"/>
+          </a:xfrm>
+          <a:prstGeom prst="rect">
+            <a:avLst/>
+          </a:prstGeom>
+          <a:noFill/>
+        </p:spPr>
+        <p:txBody>
+          <a:bodyPr wrap="square" rtlCol="0">
+            <a:spAutoFit/>
+          </a:bodyPr>
+          <a:lstStyle/>
+          <a:p>
+            <a:r>
+              <a:rPr lang="en-US" altLang="zh-CN" sz="1200" dirty="0">
+                <a:latin typeface="Times New Roman" panose="02020603050405020304" pitchFamily="18" charset="0"/>
+                <a:cs typeface="Times New Roman" panose="02020603050405020304" pitchFamily="18" charset="0"/>
+              </a:rPr>
+              <a:t>Policy params</a:t>
+            </a:r>
+            <a:endParaRPr lang="zh-CN" altLang="en-US" sz="1200" dirty="0">
+              <a:latin typeface="Times New Roman" panose="02020603050405020304" pitchFamily="18" charset="0"/>
+              <a:cs typeface="Times New Roman" panose="02020603050405020304" pitchFamily="18" charset="0"/>
+            </a:endParaRPr>
+          </a:p>
+        </p:txBody>
+      </p:sp>
+      <p:sp>
+        <p:nvSpPr>
+          <p:cNvPr id="40" name="文本框 39">
+            <a:extLst>
+              <a:ext uri="{FF2B5EF4-FFF2-40B4-BE49-F238E27FC236}">
+                <a16:creationId xmlns:a16="http://schemas.microsoft.com/office/drawing/2014/main" id="{884A190E-5395-39E0-D8E3-0D05D5BFC65E}"/>
+              </a:ext>
+            </a:extLst>
+          </p:cNvPr>
+          <p:cNvSpPr txBox="1"/>
+          <p:nvPr/>
+        </p:nvSpPr>
+        <p:spPr>
+          <a:xfrm>
+            <a:off x="4753926" y="2450008"/>
+            <a:ext cx="683705" cy="276999"/>
+          </a:xfrm>
+          <a:prstGeom prst="rect">
+            <a:avLst/>
+          </a:prstGeom>
+          <a:noFill/>
+        </p:spPr>
+        <p:txBody>
+          <a:bodyPr wrap="square" rtlCol="0">
+            <a:spAutoFit/>
+          </a:bodyPr>
+          <a:lstStyle/>
+          <a:p>
+            <a:r>
+              <a:rPr lang="en-US" altLang="zh-CN" sz="1200" dirty="0">
+                <a:latin typeface="Times New Roman" panose="02020603050405020304" pitchFamily="18" charset="0"/>
+                <a:cs typeface="Times New Roman" panose="02020603050405020304" pitchFamily="18" charset="0"/>
+              </a:rPr>
+              <a:t>Actions</a:t>
+            </a:r>
+            <a:endParaRPr lang="zh-CN" altLang="en-US" sz="1200" dirty="0">
+              <a:latin typeface="Times New Roman" panose="02020603050405020304" pitchFamily="18" charset="0"/>
+              <a:cs typeface="Times New Roman" panose="02020603050405020304" pitchFamily="18" charset="0"/>
+            </a:endParaRPr>
+          </a:p>
+        </p:txBody>
+      </p:sp>
+      <p:cxnSp>
+        <p:nvCxnSpPr>
+          <p:cNvPr id="51" name="直线箭头连接符 50">
+            <a:extLst>
+              <a:ext uri="{FF2B5EF4-FFF2-40B4-BE49-F238E27FC236}">
+                <a16:creationId xmlns:a16="http://schemas.microsoft.com/office/drawing/2014/main" id="{83E5AA6C-F6E7-EA36-4B26-AF355E5A5DDE}"/>
+              </a:ext>
+            </a:extLst>
+          </p:cNvPr>
+          <p:cNvCxnSpPr>
+            <a:stCxn id="4" idx="0"/>
+            <a:endCxn id="7" idx="2"/>
+          </p:cNvCxnSpPr>
+          <p:nvPr/>
+        </p:nvCxnSpPr>
+        <p:spPr>
+          <a:xfrm flipH="1" flipV="1">
+            <a:off x="4753675" y="2349545"/>
+            <a:ext cx="1" cy="489691"/>
+          </a:xfrm>
+          <a:prstGeom prst="straightConnector1">
+            <a:avLst/>
+          </a:prstGeom>
+          <a:ln w="12700">
+            <a:solidFill>
+              <a:schemeClr val="tx1"/>
+            </a:solidFill>
+            <a:tailEnd type="stealth"/>
+          </a:ln>
+        </p:spPr>
+        <p:style>
+          <a:lnRef idx="1">
+            <a:schemeClr val="accent1"/>
+          </a:lnRef>
+          <a:fillRef idx="0">
+            <a:schemeClr val="accent1"/>
+          </a:fillRef>
+          <a:effectRef idx="0">
+            <a:schemeClr val="accent1"/>
+          </a:effectRef>
+          <a:fontRef idx="minor">
+            <a:schemeClr val="tx1"/>
+          </a:fontRef>
+        </p:style>
+      </p:cxnSp>
+      <p:cxnSp>
+        <p:nvCxnSpPr>
+          <p:cNvPr id="57" name="肘形连接符 56">
+            <a:extLst>
+              <a:ext uri="{FF2B5EF4-FFF2-40B4-BE49-F238E27FC236}">
+                <a16:creationId xmlns:a16="http://schemas.microsoft.com/office/drawing/2014/main" id="{101069D8-4187-44F7-7634-D0FB60A3E681}"/>
+              </a:ext>
+            </a:extLst>
+          </p:cNvPr>
+          <p:cNvCxnSpPr>
+            <a:stCxn id="7" idx="1"/>
+            <a:endCxn id="6" idx="1"/>
+          </p:cNvCxnSpPr>
+          <p:nvPr/>
+        </p:nvCxnSpPr>
+        <p:spPr>
+          <a:xfrm rot="10800000" flipH="1" flipV="1">
+            <a:off x="4069718" y="2024958"/>
+            <a:ext cx="1342324" cy="2409966"/>
+          </a:xfrm>
+          <a:prstGeom prst="bentConnector3">
+            <a:avLst>
+              <a:gd name="adj1" fmla="val -20814"/>
+            </a:avLst>
+          </a:prstGeom>
+          <a:ln w="12700">
+            <a:solidFill>
+              <a:schemeClr val="tx1"/>
+            </a:solidFill>
+            <a:tailEnd type="stealth"/>
+          </a:ln>
+        </p:spPr>
+        <p:style>
+          <a:lnRef idx="1">
+            <a:schemeClr val="accent1"/>
+          </a:lnRef>
+          <a:fillRef idx="0">
+            <a:schemeClr val="accent1"/>
+          </a:fillRef>
+          <a:effectRef idx="0">
+            <a:schemeClr val="accent1"/>
+          </a:effectRef>
+          <a:fontRef idx="minor">
+            <a:schemeClr val="tx1"/>
+          </a:fontRef>
+        </p:style>
+      </p:cxnSp>
+      <p:cxnSp>
+        <p:nvCxnSpPr>
+          <p:cNvPr id="60" name="直线箭头连接符 59">
+            <a:extLst>
+              <a:ext uri="{FF2B5EF4-FFF2-40B4-BE49-F238E27FC236}">
+                <a16:creationId xmlns:a16="http://schemas.microsoft.com/office/drawing/2014/main" id="{0CD568E0-0A16-EA31-16A1-A727DF607CE6}"/>
+              </a:ext>
+            </a:extLst>
+          </p:cNvPr>
+          <p:cNvCxnSpPr>
+            <a:cxnSpLocks/>
+            <a:stCxn id="4" idx="1"/>
+          </p:cNvCxnSpPr>
+          <p:nvPr/>
+        </p:nvCxnSpPr>
+        <p:spPr>
+          <a:xfrm flipH="1">
+            <a:off x="3784641" y="3163824"/>
+            <a:ext cx="285078" cy="0"/>
+          </a:xfrm>
+          <a:prstGeom prst="straightConnector1">
+            <a:avLst/>
+          </a:prstGeom>
+          <a:ln w="12700">
+            <a:solidFill>
+              <a:schemeClr val="tx1"/>
+            </a:solidFill>
+            <a:tailEnd type="stealth"/>
+          </a:ln>
+        </p:spPr>
+        <p:style>
+          <a:lnRef idx="1">
+            <a:schemeClr val="accent1"/>
+          </a:lnRef>
+          <a:fillRef idx="0">
+            <a:schemeClr val="accent1"/>
+          </a:fillRef>
+          <a:effectRef idx="0">
+            <a:schemeClr val="accent1"/>
+          </a:effectRef>
+          <a:fontRef idx="minor">
+            <a:schemeClr val="tx1"/>
+          </a:fontRef>
+        </p:style>
+      </p:cxnSp>
+      <p:cxnSp>
+        <p:nvCxnSpPr>
+          <p:cNvPr id="62" name="肘形连接符 61">
+            <a:extLst>
+              <a:ext uri="{FF2B5EF4-FFF2-40B4-BE49-F238E27FC236}">
+                <a16:creationId xmlns:a16="http://schemas.microsoft.com/office/drawing/2014/main" id="{B78FD934-C77D-36E0-99BC-4388C0365E9A}"/>
+              </a:ext>
+            </a:extLst>
+          </p:cNvPr>
+          <p:cNvCxnSpPr>
+            <a:stCxn id="6" idx="3"/>
+            <a:endCxn id="5" idx="3"/>
+          </p:cNvCxnSpPr>
+          <p:nvPr/>
+        </p:nvCxnSpPr>
+        <p:spPr>
+          <a:xfrm flipV="1">
+            <a:off x="6779955" y="3163824"/>
+            <a:ext cx="1561348" cy="1271100"/>
+          </a:xfrm>
+          <a:prstGeom prst="bentConnector3">
+            <a:avLst>
+              <a:gd name="adj1" fmla="val 114641"/>
+            </a:avLst>
+          </a:prstGeom>
+          <a:ln w="12700">
+            <a:solidFill>
+              <a:schemeClr val="tx1"/>
+            </a:solidFill>
+            <a:tailEnd type="stealth"/>
+          </a:ln>
+        </p:spPr>
+        <p:style>
+          <a:lnRef idx="1">
+            <a:schemeClr val="accent1"/>
+          </a:lnRef>
+          <a:fillRef idx="0">
+            <a:schemeClr val="accent1"/>
+          </a:fillRef>
+          <a:effectRef idx="0">
+            <a:schemeClr val="accent1"/>
+          </a:effectRef>
+          <a:fontRef idx="minor">
+            <a:schemeClr val="tx1"/>
+          </a:fontRef>
+        </p:style>
+      </p:cxnSp>
+      <p:cxnSp>
+        <p:nvCxnSpPr>
+          <p:cNvPr id="64" name="直线箭头连接符 63">
+            <a:extLst>
+              <a:ext uri="{FF2B5EF4-FFF2-40B4-BE49-F238E27FC236}">
+                <a16:creationId xmlns:a16="http://schemas.microsoft.com/office/drawing/2014/main" id="{0BC650DC-1AD9-855D-EC9F-721DB03CE17A}"/>
+              </a:ext>
+            </a:extLst>
+          </p:cNvPr>
+          <p:cNvCxnSpPr>
+            <a:stCxn id="5" idx="0"/>
+            <a:endCxn id="26" idx="2"/>
+          </p:cNvCxnSpPr>
+          <p:nvPr/>
+        </p:nvCxnSpPr>
+        <p:spPr>
+          <a:xfrm flipV="1">
+            <a:off x="7657347" y="2348305"/>
+            <a:ext cx="0" cy="490931"/>
+          </a:xfrm>
+          <a:prstGeom prst="straightConnector1">
+            <a:avLst/>
+          </a:prstGeom>
+          <a:ln w="12700">
+            <a:solidFill>
+              <a:schemeClr val="tx1"/>
+            </a:solidFill>
+            <a:tailEnd type="stealth"/>
+          </a:ln>
+        </p:spPr>
+        <p:style>
+          <a:lnRef idx="1">
+            <a:schemeClr val="accent1"/>
+          </a:lnRef>
+          <a:fillRef idx="0">
+            <a:schemeClr val="accent1"/>
+          </a:fillRef>
+          <a:effectRef idx="0">
+            <a:schemeClr val="accent1"/>
+          </a:effectRef>
+          <a:fontRef idx="minor">
+            <a:schemeClr val="tx1"/>
+          </a:fontRef>
+        </p:style>
+      </p:cxnSp>
+    </p:spTree>
+    <p:extLst>
+      <p:ext uri="{BB962C8B-B14F-4D97-AF65-F5344CB8AC3E}">
+        <p14:creationId xmlns:p14="http://schemas.microsoft.com/office/powerpoint/2010/main" val="3694024270"/>
+      </p:ext>
+    </p:extLst>
+  </p:cSld>
+  <p:clrMapOvr>
+    <a:masterClrMapping/>
+  </p:clrMapOvr>
+</p:sld>
+</file>
+
+<file path=ppt/slides/slide4.xml><?xml version="1.0" encoding="utf-8"?>
+<p:sld xmlns:a="http://schemas.openxmlformats.org/drawingml/2006/main" xmlns:r="http://schemas.openxmlformats.org/officeDocument/2006/relationships" xmlns:p="http://schemas.openxmlformats.org/presentationml/2006/main">
+  <p:cSld>
+    <p:spTree>
+      <p:nvGrpSpPr>
+        <p:cNvPr id="1" name=""/>
+        <p:cNvGrpSpPr/>
+        <p:nvPr/>
+      </p:nvGrpSpPr>
+      <p:grpSpPr>
+        <a:xfrm>
+          <a:off x="0" y="0"/>
+          <a:ext cx="0" cy="0"/>
+          <a:chOff x="0" y="0"/>
+          <a:chExt cx="0" cy="0"/>
+        </a:xfrm>
+      </p:grpSpPr>
+      <p:sp>
+        <p:nvSpPr>
+          <p:cNvPr id="8" name="矩形: 圆角 10">
+            <a:extLst>
+              <a:ext uri="{FF2B5EF4-FFF2-40B4-BE49-F238E27FC236}">
+                <a16:creationId xmlns:a16="http://schemas.microsoft.com/office/drawing/2014/main" id="{E5D7B79F-FBD5-C5E4-7ADD-28B193A9F452}"/>
+              </a:ext>
+            </a:extLst>
+          </p:cNvPr>
+          <p:cNvSpPr/>
+          <p:nvPr/>
+        </p:nvSpPr>
+        <p:spPr>
+          <a:xfrm>
+            <a:off x="2702402" y="2908111"/>
+            <a:ext cx="1367913" cy="649175"/>
+          </a:xfrm>
+          <a:prstGeom prst="roundRect">
+            <a:avLst/>
+          </a:prstGeom>
+          <a:noFill/>
+          <a:ln>
+            <a:solidFill>
+              <a:schemeClr val="tx1"/>
+            </a:solidFill>
+          </a:ln>
+        </p:spPr>
+        <p:style>
+          <a:lnRef idx="2">
+            <a:schemeClr val="accent1">
+              <a:shade val="50000"/>
+            </a:schemeClr>
+          </a:lnRef>
+          <a:fillRef idx="1">
+            <a:schemeClr val="accent1"/>
+          </a:fillRef>
+          <a:effectRef idx="0">
+            <a:schemeClr val="accent1"/>
+          </a:effectRef>
+          <a:fontRef idx="minor">
+            <a:schemeClr val="lt1"/>
+          </a:fontRef>
+        </p:style>
+        <p:txBody>
+          <a:bodyPr rtlCol="0" anchor="ctr"/>
+          <a:lstStyle/>
+          <a:p>
+            <a:pPr algn="ctr"/>
+            <a:r>
+              <a:rPr lang="en-US" altLang="zh-CN" sz="1400" dirty="0">
+                <a:solidFill>
+                  <a:schemeClr val="tx1"/>
+                </a:solidFill>
+                <a:latin typeface="Times New Roman" panose="02020603050405020304" pitchFamily="18" charset="0"/>
+                <a:cs typeface="Times New Roman" panose="02020603050405020304" pitchFamily="18" charset="0"/>
+              </a:rPr>
+              <a:t>Interactor</a:t>
+            </a:r>
+            <a:endParaRPr lang="zh-CN" altLang="en-US" sz="1400" dirty="0">
+              <a:solidFill>
+                <a:schemeClr val="tx1"/>
+              </a:solidFill>
+              <a:latin typeface="Times New Roman" panose="02020603050405020304" pitchFamily="18" charset="0"/>
+              <a:cs typeface="Times New Roman" panose="02020603050405020304" pitchFamily="18" charset="0"/>
+            </a:endParaRPr>
+          </a:p>
+        </p:txBody>
+      </p:sp>
+      <p:sp>
+        <p:nvSpPr>
+          <p:cNvPr id="9" name="矩形: 圆角 10">
+            <a:extLst>
+              <a:ext uri="{FF2B5EF4-FFF2-40B4-BE49-F238E27FC236}">
+                <a16:creationId xmlns:a16="http://schemas.microsoft.com/office/drawing/2014/main" id="{6799FEC1-0FE9-458D-AD3E-982EC53806C7}"/>
+              </a:ext>
+            </a:extLst>
+          </p:cNvPr>
+          <p:cNvSpPr/>
+          <p:nvPr/>
+        </p:nvSpPr>
+        <p:spPr>
+          <a:xfrm>
+            <a:off x="4241052" y="3834847"/>
+            <a:ext cx="1367913" cy="649175"/>
+          </a:xfrm>
+          <a:prstGeom prst="roundRect">
+            <a:avLst/>
+          </a:prstGeom>
+          <a:noFill/>
+          <a:ln>
+            <a:solidFill>
+              <a:schemeClr val="tx1"/>
+            </a:solidFill>
+          </a:ln>
+        </p:spPr>
+        <p:style>
+          <a:lnRef idx="2">
+            <a:schemeClr val="accent1">
+              <a:shade val="50000"/>
+            </a:schemeClr>
+          </a:lnRef>
+          <a:fillRef idx="1">
+            <a:schemeClr val="accent1"/>
+          </a:fillRef>
+          <a:effectRef idx="0">
+            <a:schemeClr val="accent1"/>
+          </a:effectRef>
+          <a:fontRef idx="minor">
+            <a:schemeClr val="lt1"/>
+          </a:fontRef>
+        </p:style>
+        <p:txBody>
+          <a:bodyPr rtlCol="0" anchor="ctr"/>
+          <a:lstStyle/>
+          <a:p>
+            <a:pPr algn="ctr"/>
+            <a:r>
+              <a:rPr lang="en-US" altLang="zh-CN" sz="1400" dirty="0">
+                <a:solidFill>
+                  <a:schemeClr val="tx1"/>
+                </a:solidFill>
+                <a:latin typeface="Times New Roman" panose="02020603050405020304" pitchFamily="18" charset="0"/>
+                <a:cs typeface="Times New Roman" panose="02020603050405020304" pitchFamily="18" charset="0"/>
+              </a:rPr>
+              <a:t>Collector</a:t>
+            </a:r>
+            <a:endParaRPr lang="zh-CN" altLang="en-US" sz="1400" dirty="0">
+              <a:solidFill>
+                <a:schemeClr val="tx1"/>
+              </a:solidFill>
+              <a:latin typeface="Times New Roman" panose="02020603050405020304" pitchFamily="18" charset="0"/>
+              <a:cs typeface="Times New Roman" panose="02020603050405020304" pitchFamily="18" charset="0"/>
+            </a:endParaRPr>
+          </a:p>
+        </p:txBody>
+      </p:sp>
+      <p:sp>
+        <p:nvSpPr>
+          <p:cNvPr id="10" name="矩形: 圆角 10">
+            <a:extLst>
+              <a:ext uri="{FF2B5EF4-FFF2-40B4-BE49-F238E27FC236}">
+                <a16:creationId xmlns:a16="http://schemas.microsoft.com/office/drawing/2014/main" id="{7E1B22B9-F54F-775C-1373-182D4A13F474}"/>
+              </a:ext>
+            </a:extLst>
+          </p:cNvPr>
+          <p:cNvSpPr/>
+          <p:nvPr/>
+        </p:nvSpPr>
+        <p:spPr>
+          <a:xfrm>
+            <a:off x="5777948" y="2908108"/>
+            <a:ext cx="1367913" cy="649175"/>
+          </a:xfrm>
+          <a:prstGeom prst="roundRect">
+            <a:avLst/>
+          </a:prstGeom>
+          <a:noFill/>
+          <a:ln>
+            <a:solidFill>
+              <a:schemeClr val="tx1"/>
+            </a:solidFill>
+          </a:ln>
+        </p:spPr>
+        <p:style>
+          <a:lnRef idx="2">
+            <a:schemeClr val="accent1">
+              <a:shade val="50000"/>
+            </a:schemeClr>
+          </a:lnRef>
+          <a:fillRef idx="1">
+            <a:schemeClr val="accent1"/>
+          </a:fillRef>
+          <a:effectRef idx="0">
+            <a:schemeClr val="accent1"/>
+          </a:effectRef>
+          <a:fontRef idx="minor">
+            <a:schemeClr val="lt1"/>
+          </a:fontRef>
+        </p:style>
+        <p:txBody>
+          <a:bodyPr rtlCol="0" anchor="ctr"/>
+          <a:lstStyle/>
+          <a:p>
+            <a:pPr algn="ctr"/>
+            <a:r>
+              <a:rPr lang="en-US" altLang="zh-CN" sz="1400" dirty="0">
+                <a:solidFill>
+                  <a:schemeClr val="tx1"/>
+                </a:solidFill>
+                <a:latin typeface="Times New Roman" panose="02020603050405020304" pitchFamily="18" charset="0"/>
+                <a:cs typeface="Times New Roman" panose="02020603050405020304" pitchFamily="18" charset="0"/>
+              </a:rPr>
+              <a:t>Learner</a:t>
+            </a:r>
+            <a:endParaRPr lang="zh-CN" altLang="en-US" sz="1400" dirty="0">
+              <a:solidFill>
+                <a:schemeClr val="tx1"/>
+              </a:solidFill>
+              <a:latin typeface="Times New Roman" panose="02020603050405020304" pitchFamily="18" charset="0"/>
+              <a:cs typeface="Times New Roman" panose="02020603050405020304" pitchFamily="18" charset="0"/>
+            </a:endParaRPr>
+          </a:p>
+        </p:txBody>
+      </p:sp>
+      <p:sp>
+        <p:nvSpPr>
+          <p:cNvPr id="12" name="矩形: 圆角 10">
+            <a:extLst>
+              <a:ext uri="{FF2B5EF4-FFF2-40B4-BE49-F238E27FC236}">
+                <a16:creationId xmlns:a16="http://schemas.microsoft.com/office/drawing/2014/main" id="{7E87F3F5-513A-212D-E869-5E43D17462CC}"/>
+              </a:ext>
+            </a:extLst>
+          </p:cNvPr>
+          <p:cNvSpPr/>
+          <p:nvPr/>
+        </p:nvSpPr>
+        <p:spPr>
+          <a:xfrm>
+            <a:off x="8499583" y="2908109"/>
+            <a:ext cx="1367913" cy="649175"/>
+          </a:xfrm>
+          <a:prstGeom prst="roundRect">
+            <a:avLst/>
+          </a:prstGeom>
+          <a:noFill/>
+          <a:ln>
+            <a:solidFill>
+              <a:schemeClr val="tx1"/>
+            </a:solidFill>
+          </a:ln>
+        </p:spPr>
+        <p:style>
+          <a:lnRef idx="2">
+            <a:schemeClr val="accent1">
+              <a:shade val="50000"/>
+            </a:schemeClr>
+          </a:lnRef>
+          <a:fillRef idx="1">
+            <a:schemeClr val="accent1"/>
+          </a:fillRef>
+          <a:effectRef idx="0">
+            <a:schemeClr val="accent1"/>
+          </a:effectRef>
+          <a:fontRef idx="minor">
+            <a:schemeClr val="lt1"/>
+          </a:fontRef>
+        </p:style>
+        <p:txBody>
+          <a:bodyPr rtlCol="0" anchor="ctr"/>
+          <a:lstStyle/>
+          <a:p>
+            <a:pPr algn="ctr"/>
+            <a:r>
+              <a:rPr lang="en-US" altLang="zh-CN" sz="1400" dirty="0">
+                <a:solidFill>
+                  <a:schemeClr val="tx1"/>
+                </a:solidFill>
+                <a:latin typeface="Times New Roman" panose="02020603050405020304" pitchFamily="18" charset="0"/>
+                <a:cs typeface="Times New Roman" panose="02020603050405020304" pitchFamily="18" charset="0"/>
+              </a:rPr>
+              <a:t>Collector</a:t>
+            </a:r>
+            <a:endParaRPr lang="zh-CN" altLang="en-US" sz="1400" dirty="0">
+              <a:solidFill>
+                <a:schemeClr val="tx1"/>
+              </a:solidFill>
+              <a:latin typeface="Times New Roman" panose="02020603050405020304" pitchFamily="18" charset="0"/>
+              <a:cs typeface="Times New Roman" panose="02020603050405020304" pitchFamily="18" charset="0"/>
+            </a:endParaRPr>
+          </a:p>
+        </p:txBody>
+      </p:sp>
+      <p:sp>
+        <p:nvSpPr>
+          <p:cNvPr id="13" name="矩形: 圆角 10">
+            <a:extLst>
+              <a:ext uri="{FF2B5EF4-FFF2-40B4-BE49-F238E27FC236}">
+                <a16:creationId xmlns:a16="http://schemas.microsoft.com/office/drawing/2014/main" id="{523C00C8-CF62-BA12-2E8A-172DEDCA3169}"/>
+              </a:ext>
+            </a:extLst>
+          </p:cNvPr>
+          <p:cNvSpPr/>
+          <p:nvPr/>
+        </p:nvSpPr>
+        <p:spPr>
+          <a:xfrm>
+            <a:off x="2702402" y="1753068"/>
+            <a:ext cx="1367913" cy="649175"/>
+          </a:xfrm>
+          <a:prstGeom prst="roundRect">
+            <a:avLst/>
+          </a:prstGeom>
+          <a:noFill/>
+          <a:ln>
+            <a:solidFill>
+              <a:schemeClr val="tx1"/>
+            </a:solidFill>
+          </a:ln>
+        </p:spPr>
+        <p:style>
+          <a:lnRef idx="2">
+            <a:schemeClr val="accent1">
+              <a:shade val="50000"/>
+            </a:schemeClr>
+          </a:lnRef>
+          <a:fillRef idx="1">
+            <a:schemeClr val="accent1"/>
+          </a:fillRef>
+          <a:effectRef idx="0">
+            <a:schemeClr val="accent1"/>
+          </a:effectRef>
+          <a:fontRef idx="minor">
+            <a:schemeClr val="lt1"/>
+          </a:fontRef>
+        </p:style>
+        <p:txBody>
+          <a:bodyPr rtlCol="0" anchor="ctr"/>
+          <a:lstStyle/>
+          <a:p>
+            <a:pPr algn="ctr"/>
+            <a:r>
+              <a:rPr lang="en-US" altLang="zh-CN" sz="1400" dirty="0" err="1">
+                <a:solidFill>
+                  <a:schemeClr val="tx1"/>
+                </a:solidFill>
+                <a:latin typeface="Times New Roman" panose="02020603050405020304" pitchFamily="18" charset="0"/>
+                <a:cs typeface="Times New Roman" panose="02020603050405020304" pitchFamily="18" charset="0"/>
+              </a:rPr>
+              <a:t>StatsRecorder</a:t>
+            </a:r>
+            <a:endParaRPr lang="zh-CN" altLang="en-US" sz="1400" dirty="0">
+              <a:solidFill>
+                <a:schemeClr val="tx1"/>
+              </a:solidFill>
+              <a:latin typeface="Times New Roman" panose="02020603050405020304" pitchFamily="18" charset="0"/>
+              <a:cs typeface="Times New Roman" panose="02020603050405020304" pitchFamily="18" charset="0"/>
+            </a:endParaRPr>
+          </a:p>
+        </p:txBody>
+      </p:sp>
+      <p:sp>
+        <p:nvSpPr>
+          <p:cNvPr id="14" name="矩形: 圆角 10">
+            <a:extLst>
+              <a:ext uri="{FF2B5EF4-FFF2-40B4-BE49-F238E27FC236}">
+                <a16:creationId xmlns:a16="http://schemas.microsoft.com/office/drawing/2014/main" id="{2D266B2B-6F40-CCB6-B69A-82707F5A6830}"/>
+              </a:ext>
+            </a:extLst>
+          </p:cNvPr>
+          <p:cNvSpPr/>
+          <p:nvPr/>
+        </p:nvSpPr>
+        <p:spPr>
+          <a:xfrm>
+            <a:off x="8499583" y="1985549"/>
+            <a:ext cx="1367913" cy="649175"/>
+          </a:xfrm>
+          <a:prstGeom prst="roundRect">
+            <a:avLst/>
+          </a:prstGeom>
+          <a:noFill/>
+          <a:ln>
+            <a:solidFill>
+              <a:schemeClr val="tx1"/>
+            </a:solidFill>
+          </a:ln>
+        </p:spPr>
+        <p:style>
+          <a:lnRef idx="2">
+            <a:schemeClr val="accent1">
+              <a:shade val="50000"/>
+            </a:schemeClr>
+          </a:lnRef>
+          <a:fillRef idx="1">
+            <a:schemeClr val="accent1"/>
+          </a:fillRef>
+          <a:effectRef idx="0">
+            <a:schemeClr val="accent1"/>
+          </a:effectRef>
+          <a:fontRef idx="minor">
+            <a:schemeClr val="lt1"/>
+          </a:fontRef>
+        </p:style>
+        <p:txBody>
+          <a:bodyPr rtlCol="0" anchor="ctr"/>
+          <a:lstStyle/>
+          <a:p>
+            <a:pPr algn="ctr"/>
+            <a:r>
+              <a:rPr lang="en-US" altLang="zh-CN" sz="1400" dirty="0" err="1">
+                <a:solidFill>
+                  <a:schemeClr val="tx1"/>
+                </a:solidFill>
+                <a:latin typeface="Times New Roman" panose="02020603050405020304" pitchFamily="18" charset="0"/>
+                <a:cs typeface="Times New Roman" panose="02020603050405020304" pitchFamily="18" charset="0"/>
+              </a:rPr>
+              <a:t>StatsRecorder</a:t>
+            </a:r>
+            <a:endParaRPr lang="zh-CN" altLang="en-US" sz="1400" dirty="0">
+              <a:solidFill>
+                <a:schemeClr val="tx1"/>
+              </a:solidFill>
+              <a:latin typeface="Times New Roman" panose="02020603050405020304" pitchFamily="18" charset="0"/>
+              <a:cs typeface="Times New Roman" panose="02020603050405020304" pitchFamily="18" charset="0"/>
+            </a:endParaRPr>
+          </a:p>
+        </p:txBody>
+      </p:sp>
+      <p:sp>
+        <p:nvSpPr>
+          <p:cNvPr id="16" name="矩形: 圆角 10">
+            <a:extLst>
+              <a:ext uri="{FF2B5EF4-FFF2-40B4-BE49-F238E27FC236}">
+                <a16:creationId xmlns:a16="http://schemas.microsoft.com/office/drawing/2014/main" id="{20871F6C-6656-4CDF-7FBA-86B893DE81CB}"/>
+              </a:ext>
+            </a:extLst>
+          </p:cNvPr>
+          <p:cNvSpPr/>
+          <p:nvPr/>
+        </p:nvSpPr>
+        <p:spPr>
+          <a:xfrm>
+            <a:off x="8499583" y="3834847"/>
+            <a:ext cx="1367913" cy="649175"/>
+          </a:xfrm>
+          <a:prstGeom prst="roundRect">
+            <a:avLst/>
+          </a:prstGeom>
+          <a:noFill/>
+          <a:ln>
+            <a:solidFill>
+              <a:schemeClr val="tx1"/>
+            </a:solidFill>
+          </a:ln>
+        </p:spPr>
+        <p:style>
+          <a:lnRef idx="2">
+            <a:schemeClr val="accent1">
+              <a:shade val="50000"/>
+            </a:schemeClr>
+          </a:lnRef>
+          <a:fillRef idx="1">
+            <a:schemeClr val="accent1"/>
+          </a:fillRef>
+          <a:effectRef idx="0">
+            <a:schemeClr val="accent1"/>
+          </a:effectRef>
+          <a:fontRef idx="minor">
+            <a:schemeClr val="lt1"/>
+          </a:fontRef>
+        </p:style>
+        <p:txBody>
+          <a:bodyPr rtlCol="0" anchor="ctr"/>
+          <a:lstStyle/>
+          <a:p>
+            <a:pPr algn="ctr"/>
+            <a:r>
+              <a:rPr lang="en-US" altLang="zh-CN" sz="1400" dirty="0" err="1">
+                <a:solidFill>
+                  <a:schemeClr val="tx1"/>
+                </a:solidFill>
+                <a:latin typeface="Times New Roman" panose="02020603050405020304" pitchFamily="18" charset="0"/>
+                <a:cs typeface="Times New Roman" panose="02020603050405020304" pitchFamily="18" charset="0"/>
+              </a:rPr>
+              <a:t>OnlineTester</a:t>
+            </a:r>
+            <a:endParaRPr lang="zh-CN" altLang="en-US" sz="1400" dirty="0">
+              <a:solidFill>
+                <a:schemeClr val="tx1"/>
+              </a:solidFill>
+              <a:latin typeface="Times New Roman" panose="02020603050405020304" pitchFamily="18" charset="0"/>
+              <a:cs typeface="Times New Roman" panose="02020603050405020304" pitchFamily="18" charset="0"/>
+            </a:endParaRPr>
+          </a:p>
+        </p:txBody>
+      </p:sp>
+      <p:sp>
+        <p:nvSpPr>
+          <p:cNvPr id="23" name="文本框 22">
+            <a:extLst>
+              <a:ext uri="{FF2B5EF4-FFF2-40B4-BE49-F238E27FC236}">
+                <a16:creationId xmlns:a16="http://schemas.microsoft.com/office/drawing/2014/main" id="{C74E420C-375F-DB13-2A2D-EB7B98A2240B}"/>
+              </a:ext>
+            </a:extLst>
+          </p:cNvPr>
+          <p:cNvSpPr txBox="1"/>
+          <p:nvPr/>
+        </p:nvSpPr>
+        <p:spPr>
+          <a:xfrm>
+            <a:off x="3409762" y="3834847"/>
+            <a:ext cx="489178" cy="276999"/>
+          </a:xfrm>
+          <a:prstGeom prst="rect">
+            <a:avLst/>
+          </a:prstGeom>
+          <a:noFill/>
+        </p:spPr>
+        <p:txBody>
+          <a:bodyPr wrap="square" rtlCol="0">
+            <a:spAutoFit/>
+          </a:bodyPr>
+          <a:lstStyle/>
+          <a:p>
+            <a:r>
+              <a:rPr lang="en-US" altLang="zh-CN" sz="1200" dirty="0" err="1">
+                <a:latin typeface="Times New Roman" panose="02020603050405020304" pitchFamily="18" charset="0"/>
+                <a:cs typeface="Times New Roman" panose="02020603050405020304" pitchFamily="18" charset="0"/>
+              </a:rPr>
+              <a:t>Exps</a:t>
+            </a:r>
+            <a:endParaRPr lang="zh-CN" altLang="en-US" sz="1200" dirty="0">
+              <a:latin typeface="Times New Roman" panose="02020603050405020304" pitchFamily="18" charset="0"/>
+              <a:cs typeface="Times New Roman" panose="02020603050405020304" pitchFamily="18" charset="0"/>
+            </a:endParaRPr>
+          </a:p>
+        </p:txBody>
+      </p:sp>
+      <p:sp>
+        <p:nvSpPr>
+          <p:cNvPr id="30" name="文本框 29">
+            <a:extLst>
+              <a:ext uri="{FF2B5EF4-FFF2-40B4-BE49-F238E27FC236}">
+                <a16:creationId xmlns:a16="http://schemas.microsoft.com/office/drawing/2014/main" id="{EBD21A93-5BF2-6245-A024-32D2D1E83CBF}"/>
+              </a:ext>
+            </a:extLst>
+          </p:cNvPr>
+          <p:cNvSpPr txBox="1"/>
+          <p:nvPr/>
+        </p:nvSpPr>
+        <p:spPr>
+          <a:xfrm>
+            <a:off x="5924043" y="3834330"/>
+            <a:ext cx="1003975" cy="276999"/>
+          </a:xfrm>
+          <a:prstGeom prst="rect">
+            <a:avLst/>
+          </a:prstGeom>
+          <a:noFill/>
+        </p:spPr>
+        <p:txBody>
+          <a:bodyPr wrap="square" rtlCol="0">
+            <a:spAutoFit/>
+          </a:bodyPr>
+          <a:lstStyle/>
+          <a:p>
+            <a:r>
+              <a:rPr lang="en-US" altLang="zh-CN" sz="1200" dirty="0">
+                <a:latin typeface="Times New Roman" panose="02020603050405020304" pitchFamily="18" charset="0"/>
+                <a:cs typeface="Times New Roman" panose="02020603050405020304" pitchFamily="18" charset="0"/>
+              </a:rPr>
+              <a:t>Training data</a:t>
+            </a:r>
+            <a:endParaRPr lang="zh-CN" altLang="en-US" sz="1200" dirty="0">
+              <a:latin typeface="Times New Roman" panose="02020603050405020304" pitchFamily="18" charset="0"/>
+              <a:cs typeface="Times New Roman" panose="02020603050405020304" pitchFamily="18" charset="0"/>
+            </a:endParaRPr>
+          </a:p>
+        </p:txBody>
+      </p:sp>
+      <p:sp>
+        <p:nvSpPr>
+          <p:cNvPr id="37" name="文本框 36">
+            <a:extLst>
+              <a:ext uri="{FF2B5EF4-FFF2-40B4-BE49-F238E27FC236}">
+                <a16:creationId xmlns:a16="http://schemas.microsoft.com/office/drawing/2014/main" id="{5D8BBAFB-029A-3C24-75C3-588154B2D483}"/>
+              </a:ext>
+            </a:extLst>
+          </p:cNvPr>
+          <p:cNvSpPr txBox="1"/>
+          <p:nvPr/>
+        </p:nvSpPr>
+        <p:spPr>
+          <a:xfrm>
+            <a:off x="7822722" y="3216402"/>
+            <a:ext cx="489178" cy="276999"/>
+          </a:xfrm>
+          <a:prstGeom prst="rect">
+            <a:avLst/>
+          </a:prstGeom>
+          <a:noFill/>
+        </p:spPr>
+        <p:txBody>
+          <a:bodyPr wrap="square" rtlCol="0">
+            <a:spAutoFit/>
+          </a:bodyPr>
+          <a:lstStyle/>
+          <a:p>
+            <a:r>
+              <a:rPr lang="en-US" altLang="zh-CN" sz="1200" dirty="0" err="1">
+                <a:latin typeface="Times New Roman" panose="02020603050405020304" pitchFamily="18" charset="0"/>
+                <a:cs typeface="Times New Roman" panose="02020603050405020304" pitchFamily="18" charset="0"/>
+              </a:rPr>
+              <a:t>Exps</a:t>
+            </a:r>
+            <a:endParaRPr lang="zh-CN" altLang="en-US" sz="1200" dirty="0">
+              <a:latin typeface="Times New Roman" panose="02020603050405020304" pitchFamily="18" charset="0"/>
+              <a:cs typeface="Times New Roman" panose="02020603050405020304" pitchFamily="18" charset="0"/>
+            </a:endParaRPr>
+          </a:p>
+        </p:txBody>
+      </p:sp>
+      <p:cxnSp>
+        <p:nvCxnSpPr>
+          <p:cNvPr id="41" name="直线箭头连接符 40">
+            <a:extLst>
+              <a:ext uri="{FF2B5EF4-FFF2-40B4-BE49-F238E27FC236}">
+                <a16:creationId xmlns:a16="http://schemas.microsoft.com/office/drawing/2014/main" id="{3DCAF829-661D-3857-6FFF-F36D67A2F354}"/>
+              </a:ext>
+            </a:extLst>
+          </p:cNvPr>
+          <p:cNvCxnSpPr>
+            <a:stCxn id="8" idx="0"/>
+            <a:endCxn id="13" idx="2"/>
+          </p:cNvCxnSpPr>
+          <p:nvPr/>
+        </p:nvCxnSpPr>
+        <p:spPr>
+          <a:xfrm flipV="1">
+            <a:off x="3386359" y="2402243"/>
+            <a:ext cx="0" cy="505868"/>
+          </a:xfrm>
+          <a:prstGeom prst="straightConnector1">
+            <a:avLst/>
+          </a:prstGeom>
+          <a:ln w="12700">
+            <a:solidFill>
+              <a:schemeClr val="tx1"/>
+            </a:solidFill>
+            <a:tailEnd type="stealth"/>
+          </a:ln>
+        </p:spPr>
+        <p:style>
+          <a:lnRef idx="1">
+            <a:schemeClr val="accent1"/>
+          </a:lnRef>
+          <a:fillRef idx="0">
+            <a:schemeClr val="accent1"/>
+          </a:fillRef>
+          <a:effectRef idx="0">
+            <a:schemeClr val="accent1"/>
+          </a:effectRef>
+          <a:fontRef idx="minor">
+            <a:schemeClr val="tx1"/>
+          </a:fontRef>
+        </p:style>
+      </p:cxnSp>
+      <p:sp>
+        <p:nvSpPr>
+          <p:cNvPr id="43" name="文本框 42">
+            <a:extLst>
+              <a:ext uri="{FF2B5EF4-FFF2-40B4-BE49-F238E27FC236}">
+                <a16:creationId xmlns:a16="http://schemas.microsoft.com/office/drawing/2014/main" id="{00FF4590-A4D3-5E0D-D633-F562660A06F8}"/>
+              </a:ext>
+            </a:extLst>
+          </p:cNvPr>
+          <p:cNvSpPr txBox="1"/>
+          <p:nvPr/>
+        </p:nvSpPr>
+        <p:spPr>
+          <a:xfrm>
+            <a:off x="3386358" y="2492613"/>
+            <a:ext cx="791504" cy="276999"/>
+          </a:xfrm>
+          <a:prstGeom prst="rect">
+            <a:avLst/>
+          </a:prstGeom>
+          <a:noFill/>
+        </p:spPr>
+        <p:txBody>
+          <a:bodyPr wrap="square" rtlCol="0">
+            <a:spAutoFit/>
+          </a:bodyPr>
+          <a:lstStyle/>
+          <a:p>
+            <a:r>
+              <a:rPr lang="en-US" altLang="zh-CN" sz="1200" dirty="0">
+                <a:latin typeface="Times New Roman" panose="02020603050405020304" pitchFamily="18" charset="0"/>
+                <a:cs typeface="Times New Roman" panose="02020603050405020304" pitchFamily="18" charset="0"/>
+              </a:rPr>
+              <a:t>Summary</a:t>
+            </a:r>
+            <a:endParaRPr lang="zh-CN" altLang="en-US" sz="1200" dirty="0">
+              <a:latin typeface="Times New Roman" panose="02020603050405020304" pitchFamily="18" charset="0"/>
+              <a:cs typeface="Times New Roman" panose="02020603050405020304" pitchFamily="18" charset="0"/>
+            </a:endParaRPr>
+          </a:p>
+        </p:txBody>
+      </p:sp>
+      <p:cxnSp>
+        <p:nvCxnSpPr>
+          <p:cNvPr id="52" name="直线箭头连接符 51">
+            <a:extLst>
+              <a:ext uri="{FF2B5EF4-FFF2-40B4-BE49-F238E27FC236}">
+                <a16:creationId xmlns:a16="http://schemas.microsoft.com/office/drawing/2014/main" id="{702B04AD-C8C0-3F64-526C-95AA1843C76D}"/>
+              </a:ext>
+            </a:extLst>
+          </p:cNvPr>
+          <p:cNvCxnSpPr>
+            <a:stCxn id="10" idx="3"/>
+            <a:endCxn id="12" idx="1"/>
+          </p:cNvCxnSpPr>
+          <p:nvPr/>
+        </p:nvCxnSpPr>
+        <p:spPr>
+          <a:xfrm>
+            <a:off x="7145861" y="3232696"/>
+            <a:ext cx="1353722" cy="1"/>
+          </a:xfrm>
+          <a:prstGeom prst="straightConnector1">
+            <a:avLst/>
+          </a:prstGeom>
+          <a:ln w="12700">
+            <a:solidFill>
+              <a:schemeClr val="tx1"/>
+            </a:solidFill>
+            <a:tailEnd type="stealth"/>
+          </a:ln>
+        </p:spPr>
+        <p:style>
+          <a:lnRef idx="1">
+            <a:schemeClr val="accent1"/>
+          </a:lnRef>
+          <a:fillRef idx="0">
+            <a:schemeClr val="accent1"/>
+          </a:fillRef>
+          <a:effectRef idx="0">
+            <a:schemeClr val="accent1"/>
+          </a:effectRef>
+          <a:fontRef idx="minor">
+            <a:schemeClr val="tx1"/>
+          </a:fontRef>
+        </p:style>
+      </p:cxnSp>
+      <p:cxnSp>
+        <p:nvCxnSpPr>
+          <p:cNvPr id="66" name="肘形连接符 65">
+            <a:extLst>
+              <a:ext uri="{FF2B5EF4-FFF2-40B4-BE49-F238E27FC236}">
+                <a16:creationId xmlns:a16="http://schemas.microsoft.com/office/drawing/2014/main" id="{A23AF8B6-EDA5-94F9-861F-C1FDB88ACE1C}"/>
+              </a:ext>
+            </a:extLst>
+          </p:cNvPr>
+          <p:cNvCxnSpPr>
+            <a:cxnSpLocks/>
+            <a:endCxn id="16" idx="1"/>
+          </p:cNvCxnSpPr>
+          <p:nvPr/>
+        </p:nvCxnSpPr>
+        <p:spPr>
+          <a:xfrm rot="16200000" flipH="1">
+            <a:off x="7619267" y="3279119"/>
+            <a:ext cx="934058" cy="826574"/>
+          </a:xfrm>
+          <a:prstGeom prst="bentConnector2">
+            <a:avLst/>
+          </a:prstGeom>
+          <a:ln w="12700">
+            <a:solidFill>
+              <a:schemeClr val="tx1"/>
+            </a:solidFill>
+            <a:tailEnd type="stealth"/>
+          </a:ln>
+        </p:spPr>
+        <p:style>
+          <a:lnRef idx="1">
+            <a:schemeClr val="accent1"/>
+          </a:lnRef>
+          <a:fillRef idx="0">
+            <a:schemeClr val="accent1"/>
+          </a:fillRef>
+          <a:effectRef idx="0">
+            <a:schemeClr val="accent1"/>
+          </a:effectRef>
+          <a:fontRef idx="minor">
+            <a:schemeClr val="tx1"/>
+          </a:fontRef>
+        </p:style>
+      </p:cxnSp>
+      <p:cxnSp>
+        <p:nvCxnSpPr>
+          <p:cNvPr id="69" name="肘形连接符 68">
+            <a:extLst>
+              <a:ext uri="{FF2B5EF4-FFF2-40B4-BE49-F238E27FC236}">
+                <a16:creationId xmlns:a16="http://schemas.microsoft.com/office/drawing/2014/main" id="{E0589C0C-00C0-D4D7-624B-4088D6F9D2EB}"/>
+              </a:ext>
+            </a:extLst>
+          </p:cNvPr>
+          <p:cNvCxnSpPr>
+            <a:cxnSpLocks/>
+            <a:endCxn id="14" idx="1"/>
+          </p:cNvCxnSpPr>
+          <p:nvPr/>
+        </p:nvCxnSpPr>
+        <p:spPr>
+          <a:xfrm rot="5400000" flipH="1" flipV="1">
+            <a:off x="7625018" y="2358129"/>
+            <a:ext cx="922557" cy="826574"/>
+          </a:xfrm>
+          <a:prstGeom prst="bentConnector2">
+            <a:avLst/>
+          </a:prstGeom>
+          <a:ln w="12700">
+            <a:solidFill>
+              <a:schemeClr val="tx1"/>
+            </a:solidFill>
+            <a:tailEnd type="stealth"/>
+          </a:ln>
+        </p:spPr>
+        <p:style>
+          <a:lnRef idx="1">
+            <a:schemeClr val="accent1"/>
+          </a:lnRef>
+          <a:fillRef idx="0">
+            <a:schemeClr val="accent1"/>
+          </a:fillRef>
+          <a:effectRef idx="0">
+            <a:schemeClr val="accent1"/>
+          </a:effectRef>
+          <a:fontRef idx="minor">
+            <a:schemeClr val="tx1"/>
+          </a:fontRef>
+        </p:style>
+      </p:cxnSp>
+      <p:sp>
+        <p:nvSpPr>
+          <p:cNvPr id="75" name="文本框 74">
+            <a:extLst>
+              <a:ext uri="{FF2B5EF4-FFF2-40B4-BE49-F238E27FC236}">
+                <a16:creationId xmlns:a16="http://schemas.microsoft.com/office/drawing/2014/main" id="{B984677F-A3DC-2A10-C1C0-8C26353884A8}"/>
+              </a:ext>
+            </a:extLst>
+          </p:cNvPr>
+          <p:cNvSpPr txBox="1"/>
+          <p:nvPr/>
+        </p:nvSpPr>
+        <p:spPr>
+          <a:xfrm>
+            <a:off x="7690544" y="2012665"/>
+            <a:ext cx="791504" cy="276999"/>
+          </a:xfrm>
+          <a:prstGeom prst="rect">
+            <a:avLst/>
+          </a:prstGeom>
+          <a:noFill/>
+        </p:spPr>
+        <p:txBody>
+          <a:bodyPr wrap="square" rtlCol="0">
+            <a:spAutoFit/>
+          </a:bodyPr>
+          <a:lstStyle/>
+          <a:p>
+            <a:r>
+              <a:rPr lang="en-US" altLang="zh-CN" sz="1200" dirty="0">
+                <a:latin typeface="Times New Roman" panose="02020603050405020304" pitchFamily="18" charset="0"/>
+                <a:cs typeface="Times New Roman" panose="02020603050405020304" pitchFamily="18" charset="0"/>
+              </a:rPr>
+              <a:t>Summary</a:t>
+            </a:r>
+            <a:endParaRPr lang="zh-CN" altLang="en-US" sz="1200" dirty="0">
+              <a:latin typeface="Times New Roman" panose="02020603050405020304" pitchFamily="18" charset="0"/>
+              <a:cs typeface="Times New Roman" panose="02020603050405020304" pitchFamily="18" charset="0"/>
+            </a:endParaRPr>
+          </a:p>
+        </p:txBody>
+      </p:sp>
+      <p:sp>
+        <p:nvSpPr>
+          <p:cNvPr id="76" name="文本框 75">
+            <a:extLst>
+              <a:ext uri="{FF2B5EF4-FFF2-40B4-BE49-F238E27FC236}">
+                <a16:creationId xmlns:a16="http://schemas.microsoft.com/office/drawing/2014/main" id="{10DFF5F8-193A-4DD5-B9AC-754EA6338BCA}"/>
+              </a:ext>
+            </a:extLst>
+          </p:cNvPr>
+          <p:cNvSpPr txBox="1"/>
+          <p:nvPr/>
+        </p:nvSpPr>
+        <p:spPr>
+          <a:xfrm>
+            <a:off x="7822722" y="4159434"/>
+            <a:ext cx="659326" cy="276999"/>
+          </a:xfrm>
+          <a:prstGeom prst="rect">
+            <a:avLst/>
+          </a:prstGeom>
+          <a:noFill/>
+        </p:spPr>
+        <p:txBody>
+          <a:bodyPr wrap="square" rtlCol="0">
+            <a:spAutoFit/>
+          </a:bodyPr>
+          <a:lstStyle/>
+          <a:p>
+            <a:r>
+              <a:rPr lang="en-US" altLang="zh-CN" sz="1200" dirty="0">
+                <a:latin typeface="Times New Roman" panose="02020603050405020304" pitchFamily="18" charset="0"/>
+                <a:cs typeface="Times New Roman" panose="02020603050405020304" pitchFamily="18" charset="0"/>
+              </a:rPr>
+              <a:t>Policy</a:t>
+            </a:r>
+            <a:endParaRPr lang="zh-CN" altLang="en-US" sz="1200" dirty="0">
+              <a:latin typeface="Times New Roman" panose="02020603050405020304" pitchFamily="18" charset="0"/>
+              <a:cs typeface="Times New Roman" panose="02020603050405020304" pitchFamily="18" charset="0"/>
+            </a:endParaRPr>
+          </a:p>
+        </p:txBody>
+      </p:sp>
+      <p:cxnSp>
+        <p:nvCxnSpPr>
+          <p:cNvPr id="78" name="直线箭头连接符 77">
+            <a:extLst>
+              <a:ext uri="{FF2B5EF4-FFF2-40B4-BE49-F238E27FC236}">
+                <a16:creationId xmlns:a16="http://schemas.microsoft.com/office/drawing/2014/main" id="{431126FC-5172-DB6D-0497-3739FC8460C6}"/>
+              </a:ext>
+            </a:extLst>
+          </p:cNvPr>
+          <p:cNvCxnSpPr>
+            <a:stCxn id="8" idx="2"/>
+            <a:endCxn id="9" idx="1"/>
+          </p:cNvCxnSpPr>
+          <p:nvPr/>
+        </p:nvCxnSpPr>
+        <p:spPr>
+          <a:xfrm>
+            <a:off x="3386359" y="3557286"/>
+            <a:ext cx="854693" cy="602149"/>
+          </a:xfrm>
+          <a:prstGeom prst="straightConnector1">
+            <a:avLst/>
+          </a:prstGeom>
+          <a:ln w="12700">
+            <a:solidFill>
+              <a:schemeClr val="tx1"/>
+            </a:solidFill>
+            <a:tailEnd type="stealth"/>
+          </a:ln>
+        </p:spPr>
+        <p:style>
+          <a:lnRef idx="1">
+            <a:schemeClr val="accent1"/>
+          </a:lnRef>
+          <a:fillRef idx="0">
+            <a:schemeClr val="accent1"/>
+          </a:fillRef>
+          <a:effectRef idx="0">
+            <a:schemeClr val="accent1"/>
+          </a:effectRef>
+          <a:fontRef idx="minor">
+            <a:schemeClr val="tx1"/>
+          </a:fontRef>
+        </p:style>
+      </p:cxnSp>
+      <p:cxnSp>
+        <p:nvCxnSpPr>
+          <p:cNvPr id="80" name="直线箭头连接符 79">
+            <a:extLst>
+              <a:ext uri="{FF2B5EF4-FFF2-40B4-BE49-F238E27FC236}">
+                <a16:creationId xmlns:a16="http://schemas.microsoft.com/office/drawing/2014/main" id="{C8E58183-4BD0-F144-5E01-42B02155A8F5}"/>
+              </a:ext>
+            </a:extLst>
+          </p:cNvPr>
+          <p:cNvCxnSpPr>
+            <a:stCxn id="9" idx="3"/>
+            <a:endCxn id="10" idx="2"/>
+          </p:cNvCxnSpPr>
+          <p:nvPr/>
+        </p:nvCxnSpPr>
+        <p:spPr>
+          <a:xfrm flipV="1">
+            <a:off x="5608965" y="3557283"/>
+            <a:ext cx="852940" cy="602152"/>
+          </a:xfrm>
+          <a:prstGeom prst="straightConnector1">
+            <a:avLst/>
+          </a:prstGeom>
+          <a:ln w="12700">
+            <a:solidFill>
+              <a:schemeClr val="tx1"/>
+            </a:solidFill>
+            <a:tailEnd type="stealth"/>
+          </a:ln>
+        </p:spPr>
+        <p:style>
+          <a:lnRef idx="1">
+            <a:schemeClr val="accent1"/>
+          </a:lnRef>
+          <a:fillRef idx="0">
+            <a:schemeClr val="accent1"/>
+          </a:fillRef>
+          <a:effectRef idx="0">
+            <a:schemeClr val="accent1"/>
+          </a:effectRef>
+          <a:fontRef idx="minor">
+            <a:schemeClr val="tx1"/>
+          </a:fontRef>
+        </p:style>
+      </p:cxnSp>
+      <p:cxnSp>
+        <p:nvCxnSpPr>
+          <p:cNvPr id="82" name="直线箭头连接符 81">
+            <a:extLst>
+              <a:ext uri="{FF2B5EF4-FFF2-40B4-BE49-F238E27FC236}">
+                <a16:creationId xmlns:a16="http://schemas.microsoft.com/office/drawing/2014/main" id="{254DC3C4-5AF0-2725-BE60-4559870CB296}"/>
+              </a:ext>
+            </a:extLst>
+          </p:cNvPr>
+          <p:cNvCxnSpPr>
+            <a:stCxn id="10" idx="1"/>
+            <a:endCxn id="8" idx="3"/>
+          </p:cNvCxnSpPr>
+          <p:nvPr/>
+        </p:nvCxnSpPr>
+        <p:spPr>
+          <a:xfrm flipH="1">
+            <a:off x="4070315" y="3232696"/>
+            <a:ext cx="1707633" cy="3"/>
+          </a:xfrm>
+          <a:prstGeom prst="straightConnector1">
+            <a:avLst/>
+          </a:prstGeom>
+          <a:ln w="12700">
+            <a:solidFill>
+              <a:schemeClr val="tx1"/>
+            </a:solidFill>
+            <a:tailEnd type="stealth"/>
+          </a:ln>
+        </p:spPr>
+        <p:style>
+          <a:lnRef idx="1">
+            <a:schemeClr val="accent1"/>
+          </a:lnRef>
+          <a:fillRef idx="0">
+            <a:schemeClr val="accent1"/>
+          </a:fillRef>
+          <a:effectRef idx="0">
+            <a:schemeClr val="accent1"/>
+          </a:effectRef>
+          <a:fontRef idx="minor">
+            <a:schemeClr val="tx1"/>
+          </a:fontRef>
+        </p:style>
+      </p:cxnSp>
+      <p:sp>
+        <p:nvSpPr>
+          <p:cNvPr id="83" name="文本框 82">
+            <a:extLst>
+              <a:ext uri="{FF2B5EF4-FFF2-40B4-BE49-F238E27FC236}">
+                <a16:creationId xmlns:a16="http://schemas.microsoft.com/office/drawing/2014/main" id="{7F5FE88B-E662-9C13-186C-1262B6CF633A}"/>
+              </a:ext>
+            </a:extLst>
+          </p:cNvPr>
+          <p:cNvSpPr txBox="1"/>
+          <p:nvPr/>
+        </p:nvSpPr>
+        <p:spPr>
+          <a:xfrm>
+            <a:off x="4623010" y="2931903"/>
+            <a:ext cx="659326" cy="276999"/>
+          </a:xfrm>
+          <a:prstGeom prst="rect">
+            <a:avLst/>
+          </a:prstGeom>
+          <a:noFill/>
+        </p:spPr>
+        <p:txBody>
+          <a:bodyPr wrap="square" rtlCol="0">
+            <a:spAutoFit/>
+          </a:bodyPr>
+          <a:lstStyle/>
+          <a:p>
+            <a:r>
+              <a:rPr lang="en-US" altLang="zh-CN" sz="1200" dirty="0">
+                <a:latin typeface="Times New Roman" panose="02020603050405020304" pitchFamily="18" charset="0"/>
+                <a:cs typeface="Times New Roman" panose="02020603050405020304" pitchFamily="18" charset="0"/>
+              </a:rPr>
+              <a:t>Policy</a:t>
+            </a:r>
+            <a:endParaRPr lang="zh-CN" altLang="en-US" sz="1200" dirty="0">
+              <a:latin typeface="Times New Roman" panose="02020603050405020304" pitchFamily="18" charset="0"/>
+              <a:cs typeface="Times New Roman" panose="02020603050405020304" pitchFamily="18" charset="0"/>
+            </a:endParaRPr>
+          </a:p>
+        </p:txBody>
+      </p:sp>
+    </p:spTree>
+    <p:extLst>
+      <p:ext uri="{BB962C8B-B14F-4D97-AF65-F5344CB8AC3E}">
+        <p14:creationId xmlns:p14="http://schemas.microsoft.com/office/powerpoint/2010/main" val="1882476975"/>
       </p:ext>
     </p:extLst>
   </p:cSld>
